--- a/A00056992/3-PresentaciónPdG-I.pptx
+++ b/A00056992/3-PresentaciónPdG-I.pptx
@@ -7,7 +7,7 @@
     <p:sldMasterId id="2147483684" r:id="rId3"/>
   </p:sldMasterIdLst>
   <p:notesMasterIdLst>
-    <p:notesMasterId r:id="rId23"/>
+    <p:notesMasterId r:id="rId24"/>
   </p:notesMasterIdLst>
   <p:sldIdLst>
     <p:sldId id="256" r:id="rId4"/>
@@ -27,25 +27,26 @@
     <p:sldId id="296" r:id="rId18"/>
     <p:sldId id="287" r:id="rId19"/>
     <p:sldId id="288" r:id="rId20"/>
-    <p:sldId id="268" r:id="rId21"/>
-    <p:sldId id="270" r:id="rId22"/>
+    <p:sldId id="298" r:id="rId21"/>
+    <p:sldId id="268" r:id="rId22"/>
+    <p:sldId id="270" r:id="rId23"/>
   </p:sldIdLst>
   <p:sldSz cx="9144000" cy="6858000" type="screen4x3"/>
   <p:notesSz cx="7315200" cy="9601200"/>
   <p:embeddedFontLst>
     <p:embeddedFont>
       <p:font typeface="Segoe UI" panose="020B0502040204020203" pitchFamily="34" charset="0"/>
-      <p:regular r:id="rId24"/>
-      <p:bold r:id="rId25"/>
-      <p:italic r:id="rId26"/>
-      <p:boldItalic r:id="rId27"/>
+      <p:regular r:id="rId25"/>
+      <p:bold r:id="rId26"/>
+      <p:italic r:id="rId27"/>
+      <p:boldItalic r:id="rId28"/>
     </p:embeddedFont>
     <p:embeddedFont>
       <p:font typeface="Calibri" panose="020F0502020204030204" pitchFamily="34" charset="0"/>
-      <p:regular r:id="rId28"/>
-      <p:bold r:id="rId29"/>
-      <p:italic r:id="rId30"/>
-      <p:boldItalic r:id="rId31"/>
+      <p:regular r:id="rId29"/>
+      <p:bold r:id="rId30"/>
+      <p:italic r:id="rId31"/>
+      <p:boldItalic r:id="rId32"/>
     </p:embeddedFont>
   </p:embeddedFontLst>
   <p:defaultTextStyle>
@@ -19970,7 +19971,7 @@
                 <a:cs typeface="Calibri"/>
                 <a:sym typeface="Calibri"/>
               </a:rPr>
-              <a:t>18</a:t>
+              <a:t>19</a:t>
             </a:fld>
             <a:endParaRPr lang="es-ES" sz="1300" b="0" i="0" u="none" strike="noStrike" cap="none" baseline="0">
               <a:solidFill>
@@ -20164,7 +20165,7 @@
                 <a:cs typeface="Calibri"/>
                 <a:sym typeface="Calibri"/>
               </a:rPr>
-              <a:t>19</a:t>
+              <a:t>20</a:t>
             </a:fld>
             <a:endParaRPr lang="es-ES" sz="1300" b="0" i="0" u="none" strike="noStrike" cap="none" baseline="0">
               <a:solidFill>
@@ -49803,7 +49804,7 @@
           <p:cNvPr id="6" name="Shape 255">
             <a:extLst>
               <a:ext uri="{FF2B5EF4-FFF2-40B4-BE49-F238E27FC236}">
-                <a16:creationId xmlns:a16="http://schemas.microsoft.com/office/drawing/2014/main" xmlns="" id="{B2EA0A5F-DAB8-41CF-B9C9-0639C4557054}"/>
+                <a16:creationId xmlns="" xmlns:a16="http://schemas.microsoft.com/office/drawing/2014/main" id="{B2EA0A5F-DAB8-41CF-B9C9-0639C4557054}"/>
               </a:ext>
             </a:extLst>
           </p:cNvPr>
@@ -52168,6 +52169,161 @@
   <p:cSld>
     <p:spTree>
       <p:nvGrpSpPr>
+        <p:cNvPr id="1" name=""/>
+        <p:cNvGrpSpPr/>
+        <p:nvPr/>
+      </p:nvGrpSpPr>
+      <p:grpSpPr>
+        <a:xfrm>
+          <a:off x="0" y="0"/>
+          <a:ext cx="0" cy="0"/>
+          <a:chOff x="0" y="0"/>
+          <a:chExt cx="0" cy="0"/>
+        </a:xfrm>
+      </p:grpSpPr>
+      <p:sp>
+        <p:nvSpPr>
+          <p:cNvPr id="4" name="Marcador de número de diapositiva 3"/>
+          <p:cNvSpPr>
+            <a:spLocks noGrp="1"/>
+          </p:cNvSpPr>
+          <p:nvPr>
+            <p:ph type="sldNum" idx="12"/>
+          </p:nvPr>
+        </p:nvSpPr>
+        <p:spPr/>
+        <p:txBody>
+          <a:bodyPr/>
+          <a:lstStyle/>
+          <a:p>
+            <a:pPr marL="0" marR="0" lvl="0" indent="0" algn="r" rtl="0">
+              <a:spcBef>
+                <a:spcPts val="0"/>
+              </a:spcBef>
+              <a:buSzPct val="25000"/>
+              <a:buNone/>
+            </a:pPr>
+            <a:fld id="{00000000-1234-1234-1234-123412341234}" type="slidenum">
+              <a:rPr lang="es-ES" sz="1200" b="0" i="0" u="none" strike="noStrike" cap="none" baseline="0" smtClean="0">
+                <a:solidFill>
+                  <a:srgbClr val="888888"/>
+                </a:solidFill>
+                <a:latin typeface="Calibri"/>
+                <a:ea typeface="Calibri"/>
+                <a:cs typeface="Calibri"/>
+                <a:sym typeface="Calibri"/>
+              </a:rPr>
+              <a:t>18</a:t>
+            </a:fld>
+            <a:endParaRPr lang="es-ES" sz="1200" b="0" i="0" u="none" strike="noStrike" cap="none" baseline="0">
+              <a:solidFill>
+                <a:srgbClr val="888888"/>
+              </a:solidFill>
+              <a:latin typeface="Calibri"/>
+              <a:ea typeface="Calibri"/>
+              <a:cs typeface="Calibri"/>
+              <a:sym typeface="Calibri"/>
+            </a:endParaRPr>
+          </a:p>
+        </p:txBody>
+      </p:sp>
+      <p:sp>
+        <p:nvSpPr>
+          <p:cNvPr id="5" name="Shape 255"/>
+          <p:cNvSpPr txBox="1"/>
+          <p:nvPr/>
+        </p:nvSpPr>
+        <p:spPr>
+          <a:xfrm>
+            <a:off x="323528" y="116632"/>
+            <a:ext cx="8640960" cy="647799"/>
+          </a:xfrm>
+          <a:prstGeom prst="rect">
+            <a:avLst/>
+          </a:prstGeom>
+          <a:noFill/>
+          <a:ln>
+            <a:noFill/>
+          </a:ln>
+        </p:spPr>
+        <p:txBody>
+          <a:bodyPr lIns="91425" tIns="45700" rIns="91425" bIns="45700" anchor="ctr" anchorCtr="0">
+            <a:noAutofit/>
+          </a:bodyPr>
+          <a:lstStyle/>
+          <a:p>
+            <a:pPr algn="ctr">
+              <a:buClr>
+                <a:srgbClr val="000000"/>
+              </a:buClr>
+              <a:buSzPct val="25000"/>
+            </a:pPr>
+            <a:r>
+              <a:rPr lang="es-ES" sz="3600" dirty="0" smtClean="0">
+                <a:latin typeface="Segoe UI" panose="020B0502040204020203" pitchFamily="34" charset="0"/>
+                <a:ea typeface="Segoe UI" panose="020B0502040204020203" pitchFamily="34" charset="0"/>
+                <a:cs typeface="Segoe UI" panose="020B0502040204020203" pitchFamily="34" charset="0"/>
+                <a:sym typeface="Calibri"/>
+              </a:rPr>
+              <a:t>Cronograma Proyecto</a:t>
+            </a:r>
+            <a:endParaRPr lang="es-ES" sz="3600" dirty="0">
+              <a:latin typeface="Segoe UI" panose="020B0502040204020203" pitchFamily="34" charset="0"/>
+              <a:ea typeface="Segoe UI" panose="020B0502040204020203" pitchFamily="34" charset="0"/>
+              <a:cs typeface="Segoe UI" panose="020B0502040204020203" pitchFamily="34" charset="0"/>
+              <a:sym typeface="Calibri"/>
+            </a:endParaRPr>
+          </a:p>
+        </p:txBody>
+      </p:sp>
+      <p:pic>
+        <p:nvPicPr>
+          <p:cNvPr id="6" name="Imagen 5"/>
+          <p:cNvPicPr>
+            <a:picLocks noChangeAspect="1"/>
+          </p:cNvPicPr>
+          <p:nvPr/>
+        </p:nvPicPr>
+        <p:blipFill>
+          <a:blip r:embed="rId2">
+            <a:extLst>
+              <a:ext uri="{28A0092B-C50C-407E-A947-70E740481C1C}">
+                <a14:useLocalDpi xmlns:a14="http://schemas.microsoft.com/office/drawing/2010/main" val="0"/>
+              </a:ext>
+            </a:extLst>
+          </a:blip>
+          <a:stretch>
+            <a:fillRect/>
+          </a:stretch>
+        </p:blipFill>
+        <p:spPr>
+          <a:xfrm>
+            <a:off x="1619672" y="787005"/>
+            <a:ext cx="6451072" cy="5492760"/>
+          </a:xfrm>
+          <a:prstGeom prst="rect">
+            <a:avLst/>
+          </a:prstGeom>
+        </p:spPr>
+      </p:pic>
+    </p:spTree>
+    <p:extLst>
+      <p:ext uri="{BB962C8B-B14F-4D97-AF65-F5344CB8AC3E}">
+        <p14:creationId xmlns:p14="http://schemas.microsoft.com/office/powerpoint/2010/main" val="3977561879"/>
+      </p:ext>
+    </p:extLst>
+  </p:cSld>
+  <p:clrMapOvr>
+    <a:masterClrMapping/>
+  </p:clrMapOvr>
+</p:sld>
+</file>
+
+<file path=ppt/slides/slide19.xml><?xml version="1.0" encoding="utf-8"?>
+<p:sld xmlns:a="http://schemas.openxmlformats.org/drawingml/2006/main" xmlns:r="http://schemas.openxmlformats.org/officeDocument/2006/relationships" xmlns:p="http://schemas.openxmlformats.org/presentationml/2006/main">
+  <p:cSld>
+    <p:spTree>
+      <p:nvGrpSpPr>
         <p:cNvPr id="1" name="Shape 358"/>
         <p:cNvGrpSpPr/>
         <p:nvPr/>
@@ -52269,7 +52425,7 @@
                 <a:cs typeface="Calibri"/>
                 <a:sym typeface="Calibri"/>
               </a:rPr>
-              <a:t>18</a:t>
+              <a:t>19</a:t>
             </a:fld>
             <a:endParaRPr lang="es-ES" sz="1200" i="0" u="none" strike="noStrike" cap="none" baseline="0" dirty="0">
               <a:solidFill>
@@ -52563,61 +52719,6 @@
 </p:sld>
 </file>
 
-<file path=ppt/slides/slide19.xml><?xml version="1.0" encoding="utf-8"?>
-<p:sld xmlns:a="http://schemas.openxmlformats.org/drawingml/2006/main" xmlns:r="http://schemas.openxmlformats.org/officeDocument/2006/relationships" xmlns:p="http://schemas.openxmlformats.org/presentationml/2006/main">
-  <p:cSld>
-    <p:spTree>
-      <p:nvGrpSpPr>
-        <p:cNvPr id="1" name="Shape 374"/>
-        <p:cNvGrpSpPr/>
-        <p:nvPr/>
-      </p:nvGrpSpPr>
-      <p:grpSpPr>
-        <a:xfrm>
-          <a:off x="0" y="0"/>
-          <a:ext cx="0" cy="0"/>
-          <a:chOff x="0" y="0"/>
-          <a:chExt cx="0" cy="0"/>
-        </a:xfrm>
-      </p:grpSpPr>
-      <p:pic>
-        <p:nvPicPr>
-          <p:cNvPr id="376" name="Shape 376"/>
-          <p:cNvPicPr preferRelativeResize="0"/>
-          <p:nvPr/>
-        </p:nvPicPr>
-        <p:blipFill rotWithShape="1">
-          <a:blip r:embed="rId3">
-            <a:alphaModFix/>
-          </a:blip>
-          <a:srcRect/>
-          <a:stretch/>
-        </p:blipFill>
-        <p:spPr>
-          <a:xfrm>
-            <a:off x="2699791" y="1916832"/>
-            <a:ext cx="3133724" cy="3657600"/>
-          </a:xfrm>
-          <a:prstGeom prst="rect">
-            <a:avLst/>
-          </a:prstGeom>
-          <a:noFill/>
-          <a:ln>
-            <a:noFill/>
-          </a:ln>
-        </p:spPr>
-      </p:pic>
-    </p:spTree>
-  </p:cSld>
-  <p:clrMapOvr>
-    <a:masterClrMapping/>
-  </p:clrMapOvr>
-  <p:transition spd="slow">
-    <p:cut/>
-  </p:transition>
-</p:sld>
-</file>
-
 <file path=ppt/slides/slide2.xml><?xml version="1.0" encoding="utf-8"?>
 <p:sld xmlns:a="http://schemas.openxmlformats.org/drawingml/2006/main" xmlns:r="http://schemas.openxmlformats.org/officeDocument/2006/relationships" xmlns:p="http://schemas.openxmlformats.org/presentationml/2006/main">
   <p:cSld>
@@ -52854,7 +52955,19 @@
                 <a:cs typeface="Segoe UI" panose="020B0502040204020203" pitchFamily="34" charset="0"/>
                 <a:sym typeface="Calibri"/>
               </a:rPr>
-              <a:t> y resultados</a:t>
+              <a:t> y </a:t>
+            </a:r>
+            <a:r>
+              <a:rPr lang="es-ES" sz="3000" b="0" i="0" u="none" strike="noStrike" cap="none" dirty="0" smtClean="0">
+                <a:solidFill>
+                  <a:schemeClr val="dk1"/>
+                </a:solidFill>
+                <a:latin typeface="Segoe UI" panose="020B0502040204020203" pitchFamily="34" charset="0"/>
+                <a:ea typeface="Segoe UI" panose="020B0502040204020203" pitchFamily="34" charset="0"/>
+                <a:cs typeface="Segoe UI" panose="020B0502040204020203" pitchFamily="34" charset="0"/>
+                <a:sym typeface="Calibri"/>
+              </a:rPr>
+              <a:t>resultados</a:t>
             </a:r>
           </a:p>
           <a:p>
@@ -52876,17 +52989,41 @@
               <a:buChar char="▪"/>
             </a:pPr>
             <a:r>
-              <a:rPr lang="es-ES" sz="3000" b="0" i="0" u="none" strike="noStrike" cap="none" baseline="0">
-                <a:solidFill>
-                  <a:schemeClr val="dk1"/>
-                </a:solidFill>
+              <a:rPr lang="es-ES" sz="3000" dirty="0" smtClean="0">
                 <a:latin typeface="Segoe UI" panose="020B0502040204020203" pitchFamily="34" charset="0"/>
                 <a:ea typeface="Segoe UI" panose="020B0502040204020203" pitchFamily="34" charset="0"/>
                 <a:cs typeface="Segoe UI" panose="020B0502040204020203" pitchFamily="34" charset="0"/>
-                <a:sym typeface="Calibri"/>
               </a:rPr>
-              <a:t>Referencias </a:t>
+              <a:t>Cronograma del proyecto</a:t>
             </a:r>
+            <a:endParaRPr lang="es-ES" sz="3000" b="0" i="0" u="none" strike="noStrike" cap="none" dirty="0">
+              <a:solidFill>
+                <a:schemeClr val="dk1"/>
+              </a:solidFill>
+              <a:latin typeface="Segoe UI" panose="020B0502040204020203" pitchFamily="34" charset="0"/>
+              <a:ea typeface="Segoe UI" panose="020B0502040204020203" pitchFamily="34" charset="0"/>
+              <a:cs typeface="Segoe UI" panose="020B0502040204020203" pitchFamily="34" charset="0"/>
+              <a:sym typeface="Calibri"/>
+            </a:endParaRPr>
+          </a:p>
+          <a:p>
+            <a:pPr marL="342900" marR="0" lvl="0" indent="-342900" algn="l" rtl="0">
+              <a:lnSpc>
+                <a:spcPct val="100000"/>
+              </a:lnSpc>
+              <a:spcBef>
+                <a:spcPts val="400"/>
+              </a:spcBef>
+              <a:spcAft>
+                <a:spcPts val="400"/>
+              </a:spcAft>
+              <a:buClr>
+                <a:schemeClr val="dk1"/>
+              </a:buClr>
+              <a:buSzPct val="60000"/>
+              <a:buFont typeface="Noto Symbol"/>
+              <a:buChar char="▪"/>
+            </a:pPr>
             <a:r>
               <a:rPr lang="es-ES" sz="3000" b="0" i="0" u="none" strike="noStrike" cap="none" baseline="0" dirty="0">
                 <a:solidFill>
@@ -52897,7 +53034,7 @@
                 <a:cs typeface="Segoe UI" panose="020B0502040204020203" pitchFamily="34" charset="0"/>
                 <a:sym typeface="Calibri"/>
               </a:rPr>
-              <a:t>bibliográficas</a:t>
+              <a:t>Referencias bibliográficas</a:t>
             </a:r>
           </a:p>
         </p:txBody>
@@ -53016,6 +53153,61 @@
           </a:p>
         </p:txBody>
       </p:sp>
+    </p:spTree>
+  </p:cSld>
+  <p:clrMapOvr>
+    <a:masterClrMapping/>
+  </p:clrMapOvr>
+  <p:transition spd="slow">
+    <p:cut/>
+  </p:transition>
+</p:sld>
+</file>
+
+<file path=ppt/slides/slide20.xml><?xml version="1.0" encoding="utf-8"?>
+<p:sld xmlns:a="http://schemas.openxmlformats.org/drawingml/2006/main" xmlns:r="http://schemas.openxmlformats.org/officeDocument/2006/relationships" xmlns:p="http://schemas.openxmlformats.org/presentationml/2006/main">
+  <p:cSld>
+    <p:spTree>
+      <p:nvGrpSpPr>
+        <p:cNvPr id="1" name="Shape 374"/>
+        <p:cNvGrpSpPr/>
+        <p:nvPr/>
+      </p:nvGrpSpPr>
+      <p:grpSpPr>
+        <a:xfrm>
+          <a:off x="0" y="0"/>
+          <a:ext cx="0" cy="0"/>
+          <a:chOff x="0" y="0"/>
+          <a:chExt cx="0" cy="0"/>
+        </a:xfrm>
+      </p:grpSpPr>
+      <p:pic>
+        <p:nvPicPr>
+          <p:cNvPr id="376" name="Shape 376"/>
+          <p:cNvPicPr preferRelativeResize="0"/>
+          <p:nvPr/>
+        </p:nvPicPr>
+        <p:blipFill rotWithShape="1">
+          <a:blip r:embed="rId3">
+            <a:alphaModFix/>
+          </a:blip>
+          <a:srcRect/>
+          <a:stretch/>
+        </p:blipFill>
+        <p:spPr>
+          <a:xfrm>
+            <a:off x="2699791" y="1916832"/>
+            <a:ext cx="3133724" cy="3657600"/>
+          </a:xfrm>
+          <a:prstGeom prst="rect">
+            <a:avLst/>
+          </a:prstGeom>
+          <a:noFill/>
+          <a:ln>
+            <a:noFill/>
+          </a:ln>
+        </p:spPr>
+      </p:pic>
     </p:spTree>
   </p:cSld>
   <p:clrMapOvr>
@@ -55506,7 +55698,7 @@
           <p:cNvPr id="2" name="Rectángulo 1">
             <a:extLst>
               <a:ext uri="{FF2B5EF4-FFF2-40B4-BE49-F238E27FC236}">
-                <a16:creationId xmlns:a16="http://schemas.microsoft.com/office/drawing/2014/main" xmlns="" id="{3DE5D028-E14E-49CA-82D1-B22B49FB108A}"/>
+                <a16:creationId xmlns="" xmlns:a16="http://schemas.microsoft.com/office/drawing/2014/main" id="{3DE5D028-E14E-49CA-82D1-B22B49FB108A}"/>
               </a:ext>
             </a:extLst>
           </p:cNvPr>

--- a/A00056992/3-PresentaciónPdG-I.pptx
+++ b/A00056992/3-PresentaciónPdG-I.pptx
@@ -7,7 +7,7 @@
     <p:sldMasterId id="2147483684" r:id="rId3"/>
   </p:sldMasterIdLst>
   <p:notesMasterIdLst>
-    <p:notesMasterId r:id="rId24"/>
+    <p:notesMasterId r:id="rId25"/>
   </p:notesMasterIdLst>
   <p:sldIdLst>
     <p:sldId id="256" r:id="rId4"/>
@@ -18,35 +18,36 @@
     <p:sldId id="261" r:id="rId9"/>
     <p:sldId id="263" r:id="rId10"/>
     <p:sldId id="262" r:id="rId11"/>
-    <p:sldId id="291" r:id="rId12"/>
-    <p:sldId id="279" r:id="rId13"/>
-    <p:sldId id="292" r:id="rId14"/>
-    <p:sldId id="293" r:id="rId15"/>
-    <p:sldId id="295" r:id="rId16"/>
-    <p:sldId id="297" r:id="rId17"/>
-    <p:sldId id="296" r:id="rId18"/>
-    <p:sldId id="287" r:id="rId19"/>
-    <p:sldId id="288" r:id="rId20"/>
-    <p:sldId id="298" r:id="rId21"/>
-    <p:sldId id="268" r:id="rId22"/>
-    <p:sldId id="270" r:id="rId23"/>
+    <p:sldId id="299" r:id="rId12"/>
+    <p:sldId id="291" r:id="rId13"/>
+    <p:sldId id="279" r:id="rId14"/>
+    <p:sldId id="292" r:id="rId15"/>
+    <p:sldId id="293" r:id="rId16"/>
+    <p:sldId id="295" r:id="rId17"/>
+    <p:sldId id="297" r:id="rId18"/>
+    <p:sldId id="296" r:id="rId19"/>
+    <p:sldId id="287" r:id="rId20"/>
+    <p:sldId id="288" r:id="rId21"/>
+    <p:sldId id="298" r:id="rId22"/>
+    <p:sldId id="268" r:id="rId23"/>
+    <p:sldId id="270" r:id="rId24"/>
   </p:sldIdLst>
   <p:sldSz cx="9144000" cy="6858000" type="screen4x3"/>
   <p:notesSz cx="7315200" cy="9601200"/>
   <p:embeddedFontLst>
     <p:embeddedFont>
-      <p:font typeface="Segoe UI" panose="020B0502040204020203" pitchFamily="34" charset="0"/>
-      <p:regular r:id="rId25"/>
-      <p:bold r:id="rId26"/>
-      <p:italic r:id="rId27"/>
-      <p:boldItalic r:id="rId28"/>
+      <p:font typeface="Calibri" panose="020F0502020204030204" pitchFamily="34" charset="0"/>
+      <p:regular r:id="rId26"/>
+      <p:bold r:id="rId27"/>
+      <p:italic r:id="rId28"/>
+      <p:boldItalic r:id="rId29"/>
     </p:embeddedFont>
     <p:embeddedFont>
-      <p:font typeface="Calibri" panose="020F0502020204030204" pitchFamily="34" charset="0"/>
-      <p:regular r:id="rId29"/>
-      <p:bold r:id="rId30"/>
-      <p:italic r:id="rId31"/>
-      <p:boldItalic r:id="rId32"/>
+      <p:font typeface="Segoe UI" panose="020B0502040204020203" pitchFamily="34" charset="0"/>
+      <p:regular r:id="rId30"/>
+      <p:bold r:id="rId31"/>
+      <p:italic r:id="rId32"/>
+      <p:boldItalic r:id="rId33"/>
     </p:embeddedFont>
   </p:embeddedFontLst>
   <p:defaultTextStyle>
@@ -18860,7 +18861,7 @@
               <a:pPr algn="r">
                 <a:buSzPct val="25000"/>
               </a:pPr>
-              <a:t>11</a:t>
+              <a:t>12</a:t>
             </a:fld>
             <a:endParaRPr lang="es-ES" sz="1300">
               <a:latin typeface="Calibri"/>
@@ -19044,7 +19045,7 @@
               <a:pPr algn="r">
                 <a:buSzPct val="25000"/>
               </a:pPr>
-              <a:t>12</a:t>
+              <a:t>13</a:t>
             </a:fld>
             <a:endParaRPr lang="es-ES" sz="1300" dirty="0">
               <a:latin typeface="Calibri"/>
@@ -19228,7 +19229,7 @@
               <a:pPr algn="r">
                 <a:buSzPct val="25000"/>
               </a:pPr>
-              <a:t>13</a:t>
+              <a:t>14</a:t>
             </a:fld>
             <a:endParaRPr lang="es-ES" sz="1300" dirty="0">
               <a:latin typeface="Calibri"/>
@@ -19412,7 +19413,7 @@
               <a:pPr algn="r">
                 <a:buSzPct val="25000"/>
               </a:pPr>
-              <a:t>15</a:t>
+              <a:t>16</a:t>
             </a:fld>
             <a:endParaRPr lang="es-ES" sz="1300" dirty="0">
               <a:latin typeface="Calibri"/>
@@ -19596,7 +19597,7 @@
               <a:pPr algn="r">
                 <a:buSzPct val="25000"/>
               </a:pPr>
-              <a:t>16</a:t>
+              <a:t>17</a:t>
             </a:fld>
             <a:endParaRPr lang="es-ES" sz="1300" dirty="0">
               <a:latin typeface="Calibri"/>
@@ -19780,7 +19781,7 @@
               <a:pPr algn="r">
                 <a:buSzPct val="25000"/>
               </a:pPr>
-              <a:t>17</a:t>
+              <a:t>18</a:t>
             </a:fld>
             <a:endParaRPr lang="es-ES" sz="1300" dirty="0">
               <a:latin typeface="Calibri"/>
@@ -19971,7 +19972,7 @@
                 <a:cs typeface="Calibri"/>
                 <a:sym typeface="Calibri"/>
               </a:rPr>
-              <a:t>19</a:t>
+              <a:t>20</a:t>
             </a:fld>
             <a:endParaRPr lang="es-ES" sz="1300" b="0" i="0" u="none" strike="noStrike" cap="none" baseline="0">
               <a:solidFill>
@@ -20165,7 +20166,7 @@
                 <a:cs typeface="Calibri"/>
                 <a:sym typeface="Calibri"/>
               </a:rPr>
-              <a:t>20</a:t>
+              <a:t>21</a:t>
             </a:fld>
             <a:endParaRPr lang="es-ES" sz="1300" b="0" i="0" u="none" strike="noStrike" cap="none" baseline="0">
               <a:solidFill>
@@ -21632,7 +21633,7 @@
               <a:pPr algn="r">
                 <a:buSzPct val="25000"/>
               </a:pPr>
-              <a:t>10</a:t>
+              <a:t>11</a:t>
             </a:fld>
             <a:endParaRPr lang="es-ES" sz="1300">
               <a:latin typeface="Calibri"/>
@@ -49625,6 +49626,266 @@
   <p:cSld>
     <p:spTree>
       <p:nvGrpSpPr>
+        <p:cNvPr id="1" name=""/>
+        <p:cNvGrpSpPr/>
+        <p:nvPr/>
+      </p:nvGrpSpPr>
+      <p:grpSpPr>
+        <a:xfrm>
+          <a:off x="0" y="0"/>
+          <a:ext cx="0" cy="0"/>
+          <a:chOff x="0" y="0"/>
+          <a:chExt cx="0" cy="0"/>
+        </a:xfrm>
+      </p:grpSpPr>
+      <p:sp>
+        <p:nvSpPr>
+          <p:cNvPr id="11" name="Shape 254"/>
+          <p:cNvSpPr txBox="1">
+            <a:spLocks noGrp="1"/>
+          </p:cNvSpPr>
+          <p:nvPr>
+            <p:ph type="sldNum" idx="12"/>
+          </p:nvPr>
+        </p:nvSpPr>
+        <p:spPr>
+          <a:xfrm>
+            <a:off x="8738121" y="6453336"/>
+            <a:ext cx="370383" cy="365125"/>
+          </a:xfrm>
+          <a:prstGeom prst="rect">
+            <a:avLst/>
+          </a:prstGeom>
+          <a:noFill/>
+          <a:ln>
+            <a:noFill/>
+          </a:ln>
+        </p:spPr>
+        <p:txBody>
+          <a:bodyPr lIns="91425" tIns="45700" rIns="91425" bIns="45700" anchor="ctr" anchorCtr="0">
+            <a:noAutofit/>
+          </a:bodyPr>
+          <a:lstStyle/>
+          <a:p>
+            <a:pPr marL="0" marR="0" lvl="0" indent="0" algn="r" rtl="0">
+              <a:spcBef>
+                <a:spcPts val="0"/>
+              </a:spcBef>
+              <a:buSzPct val="25000"/>
+              <a:buNone/>
+            </a:pPr>
+            <a:fld id="{00000000-1234-1234-1234-123412341234}" type="slidenum">
+              <a:rPr lang="es-ES" sz="1200" i="0" u="none" strike="noStrike" cap="none" baseline="0">
+                <a:solidFill>
+                  <a:schemeClr val="tx1"/>
+                </a:solidFill>
+                <a:latin typeface="Segoe UI" panose="020B0502040204020203" pitchFamily="34" charset="0"/>
+                <a:ea typeface="Segoe UI" panose="020B0502040204020203" pitchFamily="34" charset="0"/>
+                <a:cs typeface="Segoe UI" panose="020B0502040204020203" pitchFamily="34" charset="0"/>
+                <a:sym typeface="Calibri"/>
+              </a:rPr>
+              <a:t>10</a:t>
+            </a:fld>
+            <a:endParaRPr lang="es-ES" sz="1200" i="0" u="none" strike="noStrike" cap="none" baseline="0" dirty="0">
+              <a:solidFill>
+                <a:schemeClr val="tx1"/>
+              </a:solidFill>
+              <a:latin typeface="Segoe UI" panose="020B0502040204020203" pitchFamily="34" charset="0"/>
+              <a:ea typeface="Segoe UI" panose="020B0502040204020203" pitchFamily="34" charset="0"/>
+              <a:cs typeface="Segoe UI" panose="020B0502040204020203" pitchFamily="34" charset="0"/>
+              <a:sym typeface="Calibri"/>
+            </a:endParaRPr>
+          </a:p>
+        </p:txBody>
+      </p:sp>
+      <p:sp>
+        <p:nvSpPr>
+          <p:cNvPr id="5" name="Shape 255"/>
+          <p:cNvSpPr txBox="1"/>
+          <p:nvPr/>
+        </p:nvSpPr>
+        <p:spPr>
+          <a:xfrm>
+            <a:off x="299256" y="54561"/>
+            <a:ext cx="8640960" cy="647799"/>
+          </a:xfrm>
+          <a:prstGeom prst="rect">
+            <a:avLst/>
+          </a:prstGeom>
+          <a:noFill/>
+          <a:ln>
+            <a:noFill/>
+          </a:ln>
+        </p:spPr>
+        <p:txBody>
+          <a:bodyPr lIns="91425" tIns="45700" rIns="91425" bIns="45700" anchor="ctr" anchorCtr="0">
+            <a:noAutofit/>
+          </a:bodyPr>
+          <a:lstStyle/>
+          <a:p>
+            <a:pPr lvl="0" algn="ctr">
+              <a:buClr>
+                <a:srgbClr val="000000"/>
+              </a:buClr>
+              <a:buSzPct val="25000"/>
+            </a:pPr>
+            <a:r>
+              <a:rPr lang="es-ES" sz="3600" dirty="0">
+                <a:latin typeface="Segoe UI" panose="020B0502040204020203" pitchFamily="34" charset="0"/>
+                <a:ea typeface="Segoe UI" panose="020B0502040204020203" pitchFamily="34" charset="0"/>
+                <a:cs typeface="Segoe UI" panose="020B0502040204020203" pitchFamily="34" charset="0"/>
+                <a:sym typeface="Calibri"/>
+              </a:rPr>
+              <a:t>Estado del arte</a:t>
+            </a:r>
+          </a:p>
+        </p:txBody>
+      </p:sp>
+      <p:sp>
+        <p:nvSpPr>
+          <p:cNvPr id="2" name="Rectángulo 1">
+            <a:extLst>
+              <a:ext uri="{FF2B5EF4-FFF2-40B4-BE49-F238E27FC236}">
+                <a16:creationId xmlns:a16="http://schemas.microsoft.com/office/drawing/2014/main" xmlns="" id="{3DE5D028-E14E-49CA-82D1-B22B49FB108A}"/>
+              </a:ext>
+            </a:extLst>
+          </p:cNvPr>
+          <p:cNvSpPr/>
+          <p:nvPr/>
+        </p:nvSpPr>
+        <p:spPr>
+          <a:xfrm>
+            <a:off x="494523" y="5753616"/>
+            <a:ext cx="8910736" cy="1123384"/>
+          </a:xfrm>
+          <a:prstGeom prst="rect">
+            <a:avLst/>
+          </a:prstGeom>
+        </p:spPr>
+        <p:txBody>
+          <a:bodyPr wrap="square">
+            <a:spAutoFit/>
+          </a:bodyPr>
+          <a:lstStyle/>
+          <a:p>
+            <a:pPr marL="171450" indent="-171450">
+              <a:buFont typeface="Arial" panose="020B0604020202020204" pitchFamily="34" charset="0"/>
+              <a:buChar char="•"/>
+            </a:pPr>
+            <a:r>
+              <a:rPr lang="es-CO" sz="1100" dirty="0">
+                <a:latin typeface="Segoe UI" panose="020B0502040204020203" pitchFamily="34" charset="0"/>
+                <a:cs typeface="Segoe UI" panose="020B0502040204020203" pitchFamily="34" charset="0"/>
+              </a:rPr>
+              <a:t> </a:t>
+            </a:r>
+            <a:r>
+              <a:rPr lang="es-CO" sz="900" dirty="0"/>
+              <a:t>J. A. Sánchez Alvarado, “Sistema de Control de Acceso con RFID,” p. 120, 2008.</a:t>
+            </a:r>
+          </a:p>
+          <a:p>
+            <a:endParaRPr lang="es-CO" sz="900" dirty="0">
+              <a:latin typeface="Segoe UI" panose="020B0502040204020203" pitchFamily="34" charset="0"/>
+              <a:cs typeface="Segoe UI" panose="020B0502040204020203" pitchFamily="34" charset="0"/>
+            </a:endParaRPr>
+          </a:p>
+          <a:p>
+            <a:pPr marL="171450" indent="-171450">
+              <a:buFont typeface="Arial" panose="020B0604020202020204" pitchFamily="34" charset="0"/>
+              <a:buChar char="•"/>
+            </a:pPr>
+            <a:r>
+              <a:rPr lang="es-CO" sz="900" dirty="0"/>
+              <a:t>justo Saavedra, “Diseño e Implementación de un Sistema de Control de Acceso,” p. 75, 2006.</a:t>
+            </a:r>
+          </a:p>
+          <a:p>
+            <a:endParaRPr lang="es-CO" sz="900" dirty="0"/>
+          </a:p>
+          <a:p>
+            <a:pPr marL="171450" indent="-171450">
+              <a:buFont typeface="Arial" panose="020B0604020202020204" pitchFamily="34" charset="0"/>
+              <a:buChar char="•"/>
+            </a:pPr>
+            <a:r>
+              <a:rPr lang="es-CO" sz="900" dirty="0" err="1"/>
+              <a:t>O.Software</a:t>
+            </a:r>
+            <a:r>
+              <a:rPr lang="es-CO" sz="900" dirty="0"/>
+              <a:t>(2018, </a:t>
+            </a:r>
+            <a:r>
+              <a:rPr lang="es-CO" sz="900" dirty="0" err="1"/>
+              <a:t>Abríl</a:t>
+            </a:r>
+            <a:r>
+              <a:rPr lang="es-CO" sz="900" dirty="0"/>
+              <a:t> 19 ). SYION [online]. </a:t>
+            </a:r>
+            <a:r>
+              <a:rPr lang="en-US" sz="900" dirty="0"/>
+              <a:t>Available: </a:t>
+            </a:r>
+            <a:endParaRPr lang="es-CO" sz="900" dirty="0"/>
+          </a:p>
+          <a:p>
+            <a:r>
+              <a:rPr lang="en-US" sz="900" u="sng" dirty="0">
+                <a:hlinkClick r:id="rId2"/>
+              </a:rPr>
+              <a:t>https://www.syon.es/productos/control-de-presencia-y-accesos/software/ocean-software-control-horario-trabajadores/</a:t>
+            </a:r>
+            <a:endParaRPr lang="es-CO" sz="900" dirty="0"/>
+          </a:p>
+          <a:p>
+            <a:endParaRPr lang="es-CO" sz="1100" dirty="0"/>
+          </a:p>
+        </p:txBody>
+      </p:sp>
+      <p:pic>
+        <p:nvPicPr>
+          <p:cNvPr id="4" name="Imagen 3"/>
+          <p:cNvPicPr>
+            <a:picLocks noChangeAspect="1"/>
+          </p:cNvPicPr>
+          <p:nvPr/>
+        </p:nvPicPr>
+        <p:blipFill>
+          <a:blip r:embed="rId3"/>
+          <a:stretch>
+            <a:fillRect/>
+          </a:stretch>
+        </p:blipFill>
+        <p:spPr>
+          <a:xfrm>
+            <a:off x="494523" y="908720"/>
+            <a:ext cx="8205767" cy="4464496"/>
+          </a:xfrm>
+          <a:prstGeom prst="rect">
+            <a:avLst/>
+          </a:prstGeom>
+        </p:spPr>
+      </p:pic>
+    </p:spTree>
+    <p:extLst>
+      <p:ext uri="{BB962C8B-B14F-4D97-AF65-F5344CB8AC3E}">
+        <p14:creationId xmlns:p14="http://schemas.microsoft.com/office/powerpoint/2010/main" val="348719107"/>
+      </p:ext>
+    </p:extLst>
+  </p:cSld>
+  <p:clrMapOvr>
+    <a:masterClrMapping/>
+  </p:clrMapOvr>
+</p:sld>
+</file>
+
+<file path=ppt/slides/slide11.xml><?xml version="1.0" encoding="utf-8"?>
+<p:sld xmlns:a="http://schemas.openxmlformats.org/drawingml/2006/main" xmlns:r="http://schemas.openxmlformats.org/officeDocument/2006/relationships" xmlns:p="http://schemas.openxmlformats.org/presentationml/2006/main">
+  <p:cSld>
+    <p:spTree>
+      <p:nvGrpSpPr>
         <p:cNvPr id="1" name="Shape 318"/>
         <p:cNvGrpSpPr/>
         <p:nvPr/>
@@ -49732,7 +49993,7 @@
                 <a:cs typeface="Segoe UI" panose="020B0502040204020203" pitchFamily="34" charset="0"/>
                 <a:sym typeface="Calibri"/>
               </a:rPr>
-              <a:t>10</a:t>
+              <a:t>11</a:t>
             </a:fld>
             <a:endParaRPr lang="es-ES" sz="1200" i="0" u="none" strike="noStrike" cap="none" baseline="0" dirty="0">
               <a:solidFill>
@@ -49804,7 +50065,7 @@
           <p:cNvPr id="6" name="Shape 255">
             <a:extLst>
               <a:ext uri="{FF2B5EF4-FFF2-40B4-BE49-F238E27FC236}">
-                <a16:creationId xmlns="" xmlns:a16="http://schemas.microsoft.com/office/drawing/2014/main" id="{B2EA0A5F-DAB8-41CF-B9C9-0639C4557054}"/>
+                <a16:creationId xmlns:a16="http://schemas.microsoft.com/office/drawing/2014/main" xmlns="" id="{B2EA0A5F-DAB8-41CF-B9C9-0639C4557054}"/>
               </a:ext>
             </a:extLst>
           </p:cNvPr>
@@ -49892,7 +50153,7 @@
 </p:sld>
 </file>
 
-<file path=ppt/slides/slide11.xml><?xml version="1.0" encoding="utf-8"?>
+<file path=ppt/slides/slide12.xml><?xml version="1.0" encoding="utf-8"?>
 <p:sld xmlns:a="http://schemas.openxmlformats.org/drawingml/2006/main" xmlns:r="http://schemas.openxmlformats.org/officeDocument/2006/relationships" xmlns:p="http://schemas.openxmlformats.org/presentationml/2006/main">
   <p:cSld>
     <p:spTree>
@@ -50020,7 +50281,7 @@
                 <a:cs typeface="Calibri"/>
                 <a:sym typeface="Calibri"/>
               </a:rPr>
-              <a:t>11</a:t>
+              <a:t>12</a:t>
             </a:fld>
             <a:endParaRPr lang="es-ES" sz="1200" i="0" u="none" strike="noStrike" cap="none" baseline="0" dirty="0">
               <a:solidFill>
@@ -50415,7 +50676,7 @@
 </p:sld>
 </file>
 
-<file path=ppt/slides/slide12.xml><?xml version="1.0" encoding="utf-8"?>
+<file path=ppt/slides/slide13.xml><?xml version="1.0" encoding="utf-8"?>
 <p:sld xmlns:a="http://schemas.openxmlformats.org/drawingml/2006/main" xmlns:r="http://schemas.openxmlformats.org/officeDocument/2006/relationships" xmlns:p="http://schemas.openxmlformats.org/presentationml/2006/main">
   <p:cSld>
     <p:spTree>
@@ -50543,7 +50804,7 @@
                 <a:cs typeface="Calibri"/>
                 <a:sym typeface="Calibri"/>
               </a:rPr>
-              <a:t>12</a:t>
+              <a:t>13</a:t>
             </a:fld>
             <a:endParaRPr lang="es-ES" sz="1200" i="0" u="none" strike="noStrike" cap="none" baseline="0" dirty="0">
               <a:solidFill>
@@ -51033,7 +51294,7 @@
 </p:sld>
 </file>
 
-<file path=ppt/slides/slide13.xml><?xml version="1.0" encoding="utf-8"?>
+<file path=ppt/slides/slide14.xml><?xml version="1.0" encoding="utf-8"?>
 <p:sld xmlns:a="http://schemas.openxmlformats.org/drawingml/2006/main" xmlns:r="http://schemas.openxmlformats.org/officeDocument/2006/relationships" xmlns:p="http://schemas.openxmlformats.org/presentationml/2006/main">
   <p:cSld>
     <p:spTree>
@@ -51161,7 +51422,7 @@
                 <a:cs typeface="Calibri"/>
                 <a:sym typeface="Calibri"/>
               </a:rPr>
-              <a:t>13</a:t>
+              <a:t>14</a:t>
             </a:fld>
             <a:endParaRPr lang="es-ES" sz="1200" i="0" u="none" strike="noStrike" cap="none" baseline="0" dirty="0">
               <a:solidFill>
@@ -51422,7 +51683,7 @@
 </p:sld>
 </file>
 
-<file path=ppt/slides/slide14.xml><?xml version="1.0" encoding="utf-8"?>
+<file path=ppt/slides/slide15.xml><?xml version="1.0" encoding="utf-8"?>
 <p:sld xmlns:a="http://schemas.openxmlformats.org/drawingml/2006/main" xmlns:r="http://schemas.openxmlformats.org/officeDocument/2006/relationships" xmlns:p="http://schemas.openxmlformats.org/presentationml/2006/main">
   <p:cSld>
     <p:spTree>
@@ -51471,7 +51732,7 @@
                 <a:cs typeface="Calibri"/>
                 <a:sym typeface="Calibri"/>
               </a:rPr>
-              <a:t>14</a:t>
+              <a:t>15</a:t>
             </a:fld>
             <a:endParaRPr lang="es-ES" sz="1200" b="0" i="0" u="none" strike="noStrike" cap="none" baseline="0">
               <a:solidFill>
@@ -51485,34 +51746,6 @@
           </a:p>
         </p:txBody>
       </p:sp>
-      <p:pic>
-        <p:nvPicPr>
-          <p:cNvPr id="5" name="Imagen 4"/>
-          <p:cNvPicPr/>
-          <p:nvPr/>
-        </p:nvPicPr>
-        <p:blipFill>
-          <a:blip r:embed="rId2">
-            <a:extLst>
-              <a:ext uri="{28A0092B-C50C-407E-A947-70E740481C1C}">
-                <a14:useLocalDpi xmlns:a14="http://schemas.microsoft.com/office/drawing/2010/main" val="0"/>
-              </a:ext>
-            </a:extLst>
-          </a:blip>
-          <a:stretch>
-            <a:fillRect/>
-          </a:stretch>
-        </p:blipFill>
-        <p:spPr>
-          <a:xfrm>
-            <a:off x="644978" y="1194101"/>
-            <a:ext cx="7854043" cy="4469798"/>
-          </a:xfrm>
-          <a:prstGeom prst="rect">
-            <a:avLst/>
-          </a:prstGeom>
-        </p:spPr>
-      </p:pic>
       <p:sp>
         <p:nvSpPr>
           <p:cNvPr id="6" name="Shape 255"/>
@@ -51556,6 +51789,30 @@
           </a:p>
         </p:txBody>
       </p:sp>
+      <p:pic>
+        <p:nvPicPr>
+          <p:cNvPr id="2" name="Imagen 1"/>
+          <p:cNvPicPr>
+            <a:picLocks noChangeAspect="1"/>
+          </p:cNvPicPr>
+          <p:nvPr/>
+        </p:nvPicPr>
+        <p:blipFill>
+          <a:blip r:embed="rId2"/>
+          <a:stretch>
+            <a:fillRect/>
+          </a:stretch>
+        </p:blipFill>
+        <p:spPr>
+          <a:xfrm>
+            <a:off x="467544" y="1120043"/>
+            <a:ext cx="8430107" cy="5117269"/>
+          </a:xfrm>
+          <a:prstGeom prst="rect">
+            <a:avLst/>
+          </a:prstGeom>
+        </p:spPr>
+      </p:pic>
     </p:spTree>
     <p:extLst>
       <p:ext uri="{BB962C8B-B14F-4D97-AF65-F5344CB8AC3E}">
@@ -51569,7 +51826,7 @@
 </p:sld>
 </file>
 
-<file path=ppt/slides/slide15.xml><?xml version="1.0" encoding="utf-8"?>
+<file path=ppt/slides/slide16.xml><?xml version="1.0" encoding="utf-8"?>
 <p:sld xmlns:a="http://schemas.openxmlformats.org/drawingml/2006/main" xmlns:r="http://schemas.openxmlformats.org/officeDocument/2006/relationships" xmlns:p="http://schemas.openxmlformats.org/presentationml/2006/main">
   <p:cSld>
     <p:spTree>
@@ -51675,7 +51932,7 @@
                 <a:cs typeface="Calibri"/>
                 <a:sym typeface="Calibri"/>
               </a:rPr>
-              <a:t>15</a:t>
+              <a:t>16</a:t>
             </a:fld>
             <a:endParaRPr lang="es-ES" sz="1200" i="0" u="none" strike="noStrike" cap="none" baseline="0" dirty="0">
               <a:solidFill>
@@ -51691,8 +51948,10 @@
       </p:sp>
       <p:pic>
         <p:nvPicPr>
-          <p:cNvPr id="9" name="Imagen 8"/>
-          <p:cNvPicPr/>
+          <p:cNvPr id="2" name="Imagen 1"/>
+          <p:cNvPicPr>
+            <a:picLocks noChangeAspect="1"/>
+          </p:cNvPicPr>
           <p:nvPr/>
         </p:nvPicPr>
         <p:blipFill>
@@ -51703,8 +51962,8 @@
         </p:blipFill>
         <p:spPr>
           <a:xfrm>
-            <a:off x="714677" y="1556792"/>
-            <a:ext cx="7992888" cy="4608512"/>
+            <a:off x="163798" y="1268760"/>
+            <a:ext cx="8706580" cy="4968552"/>
           </a:xfrm>
           <a:prstGeom prst="rect">
             <a:avLst/>
@@ -51727,7 +51986,7 @@
 </p:sld>
 </file>
 
-<file path=ppt/slides/slide16.xml><?xml version="1.0" encoding="utf-8"?>
+<file path=ppt/slides/slide17.xml><?xml version="1.0" encoding="utf-8"?>
 <p:sld xmlns:a="http://schemas.openxmlformats.org/drawingml/2006/main" xmlns:r="http://schemas.openxmlformats.org/officeDocument/2006/relationships" xmlns:p="http://schemas.openxmlformats.org/presentationml/2006/main">
   <p:cSld>
     <p:spTree>
@@ -51915,7 +52174,7 @@
                 <a:cs typeface="Calibri"/>
                 <a:sym typeface="Calibri"/>
               </a:rPr>
-              <a:t>16</a:t>
+              <a:t>17</a:t>
             </a:fld>
             <a:endParaRPr lang="es-ES" sz="1200" i="0" u="none" strike="noStrike" cap="none" baseline="0" dirty="0">
               <a:solidFill>
@@ -51945,7 +52204,7 @@
 </p:sld>
 </file>
 
-<file path=ppt/slides/slide17.xml><?xml version="1.0" encoding="utf-8"?>
+<file path=ppt/slides/slide18.xml><?xml version="1.0" encoding="utf-8"?>
 <p:sld xmlns:a="http://schemas.openxmlformats.org/drawingml/2006/main" xmlns:r="http://schemas.openxmlformats.org/officeDocument/2006/relationships" xmlns:p="http://schemas.openxmlformats.org/presentationml/2006/main">
   <p:cSld>
     <p:spTree>
@@ -52134,7 +52393,7 @@
                 <a:cs typeface="Calibri"/>
                 <a:sym typeface="Calibri"/>
               </a:rPr>
-              <a:t>17</a:t>
+              <a:t>18</a:t>
             </a:fld>
             <a:endParaRPr lang="es-ES" sz="1200" i="0" u="none" strike="noStrike" cap="none" baseline="0" dirty="0">
               <a:solidFill>
@@ -52164,7 +52423,7 @@
 </p:sld>
 </file>
 
-<file path=ppt/slides/slide18.xml><?xml version="1.0" encoding="utf-8"?>
+<file path=ppt/slides/slide19.xml><?xml version="1.0" encoding="utf-8"?>
 <p:sld xmlns:a="http://schemas.openxmlformats.org/drawingml/2006/main" xmlns:r="http://schemas.openxmlformats.org/officeDocument/2006/relationships" xmlns:p="http://schemas.openxmlformats.org/presentationml/2006/main">
   <p:cSld>
     <p:spTree>
@@ -52213,7 +52472,7 @@
                 <a:cs typeface="Calibri"/>
                 <a:sym typeface="Calibri"/>
               </a:rPr>
-              <a:t>18</a:t>
+              <a:t>19</a:t>
             </a:fld>
             <a:endParaRPr lang="es-ES" sz="1200" b="0" i="0" u="none" strike="noStrike" cap="none" baseline="0">
               <a:solidFill>
@@ -52319,7 +52578,452 @@
 </p:sld>
 </file>
 
-<file path=ppt/slides/slide19.xml><?xml version="1.0" encoding="utf-8"?>
+<file path=ppt/slides/slide2.xml><?xml version="1.0" encoding="utf-8"?>
+<p:sld xmlns:a="http://schemas.openxmlformats.org/drawingml/2006/main" xmlns:r="http://schemas.openxmlformats.org/officeDocument/2006/relationships" xmlns:p="http://schemas.openxmlformats.org/presentationml/2006/main">
+  <p:cSld>
+    <p:spTree>
+      <p:nvGrpSpPr>
+        <p:cNvPr id="1" name="Shape 166"/>
+        <p:cNvGrpSpPr/>
+        <p:nvPr/>
+      </p:nvGrpSpPr>
+      <p:grpSpPr>
+        <a:xfrm>
+          <a:off x="0" y="0"/>
+          <a:ext cx="0" cy="0"/>
+          <a:chOff x="0" y="0"/>
+          <a:chExt cx="0" cy="0"/>
+        </a:xfrm>
+      </p:grpSpPr>
+      <p:sp>
+        <p:nvSpPr>
+          <p:cNvPr id="167" name="Shape 167"/>
+          <p:cNvSpPr txBox="1">
+            <a:spLocks noGrp="1"/>
+          </p:cNvSpPr>
+          <p:nvPr>
+            <p:ph type="body" idx="1"/>
+          </p:nvPr>
+        </p:nvSpPr>
+        <p:spPr>
+          <a:xfrm>
+            <a:off x="251519" y="1412776"/>
+            <a:ext cx="8640960" cy="4608512"/>
+          </a:xfrm>
+          <a:prstGeom prst="rect">
+            <a:avLst/>
+          </a:prstGeom>
+          <a:noFill/>
+          <a:ln>
+            <a:noFill/>
+          </a:ln>
+        </p:spPr>
+        <p:txBody>
+          <a:bodyPr lIns="91425" tIns="45700" rIns="91425" bIns="45700" anchor="t" anchorCtr="0">
+            <a:noAutofit/>
+          </a:bodyPr>
+          <a:lstStyle/>
+          <a:p>
+            <a:pPr marL="342900" marR="0" lvl="0" indent="-342900" algn="l" rtl="0">
+              <a:lnSpc>
+                <a:spcPct val="100000"/>
+              </a:lnSpc>
+              <a:spcBef>
+                <a:spcPts val="400"/>
+              </a:spcBef>
+              <a:spcAft>
+                <a:spcPts val="400"/>
+              </a:spcAft>
+              <a:buClr>
+                <a:schemeClr val="dk1"/>
+              </a:buClr>
+              <a:buSzPct val="60000"/>
+              <a:buFont typeface="Noto Symbol"/>
+              <a:buChar char="▪"/>
+            </a:pPr>
+            <a:r>
+              <a:rPr lang="es-ES" sz="3000" b="0" i="0" u="none" strike="noStrike" cap="none" baseline="0" dirty="0">
+                <a:solidFill>
+                  <a:schemeClr val="dk1"/>
+                </a:solidFill>
+                <a:latin typeface="Segoe UI" panose="020B0502040204020203" pitchFamily="34" charset="0"/>
+                <a:ea typeface="Segoe UI" panose="020B0502040204020203" pitchFamily="34" charset="0"/>
+                <a:cs typeface="Segoe UI" panose="020B0502040204020203" pitchFamily="34" charset="0"/>
+                <a:sym typeface="Calibri"/>
+              </a:rPr>
+              <a:t>Motivación y antecedentes</a:t>
+            </a:r>
+          </a:p>
+          <a:p>
+            <a:pPr marL="342900" marR="0" lvl="0" indent="-342900" algn="l" rtl="0">
+              <a:lnSpc>
+                <a:spcPct val="100000"/>
+              </a:lnSpc>
+              <a:spcBef>
+                <a:spcPts val="400"/>
+              </a:spcBef>
+              <a:spcAft>
+                <a:spcPts val="400"/>
+              </a:spcAft>
+              <a:buClr>
+                <a:schemeClr val="dk1"/>
+              </a:buClr>
+              <a:buSzPct val="60000"/>
+              <a:buFont typeface="Noto Symbol"/>
+              <a:buChar char="▪"/>
+            </a:pPr>
+            <a:r>
+              <a:rPr lang="es-ES" sz="3000" b="0" i="0" u="none" strike="noStrike" cap="none" baseline="0" dirty="0">
+                <a:solidFill>
+                  <a:schemeClr val="dk1"/>
+                </a:solidFill>
+                <a:latin typeface="Segoe UI" panose="020B0502040204020203" pitchFamily="34" charset="0"/>
+                <a:ea typeface="Segoe UI" panose="020B0502040204020203" pitchFamily="34" charset="0"/>
+                <a:cs typeface="Segoe UI" panose="020B0502040204020203" pitchFamily="34" charset="0"/>
+                <a:sym typeface="Calibri"/>
+              </a:rPr>
+              <a:t>Descripción del problema</a:t>
+            </a:r>
+          </a:p>
+          <a:p>
+            <a:pPr marL="342900" marR="0" lvl="0" indent="-342900" algn="l" rtl="0">
+              <a:lnSpc>
+                <a:spcPct val="100000"/>
+              </a:lnSpc>
+              <a:spcBef>
+                <a:spcPts val="400"/>
+              </a:spcBef>
+              <a:spcAft>
+                <a:spcPts val="400"/>
+              </a:spcAft>
+              <a:buClr>
+                <a:schemeClr val="dk1"/>
+              </a:buClr>
+              <a:buSzPct val="60000"/>
+              <a:buFont typeface="Noto Symbol"/>
+              <a:buChar char="▪"/>
+            </a:pPr>
+            <a:r>
+              <a:rPr lang="es-ES" sz="3000" b="0" i="0" u="none" strike="noStrike" cap="none" baseline="0" dirty="0">
+                <a:solidFill>
+                  <a:schemeClr val="dk1"/>
+                </a:solidFill>
+                <a:latin typeface="Segoe UI" panose="020B0502040204020203" pitchFamily="34" charset="0"/>
+                <a:ea typeface="Segoe UI" panose="020B0502040204020203" pitchFamily="34" charset="0"/>
+                <a:cs typeface="Segoe UI" panose="020B0502040204020203" pitchFamily="34" charset="0"/>
+                <a:sym typeface="Calibri"/>
+              </a:rPr>
+              <a:t>Objetivo general y específicos</a:t>
+            </a:r>
+          </a:p>
+          <a:p>
+            <a:pPr marL="342900" marR="0" lvl="0" indent="-342900" algn="l" rtl="0">
+              <a:lnSpc>
+                <a:spcPct val="100000"/>
+              </a:lnSpc>
+              <a:spcBef>
+                <a:spcPts val="400"/>
+              </a:spcBef>
+              <a:spcAft>
+                <a:spcPts val="400"/>
+              </a:spcAft>
+              <a:buClr>
+                <a:schemeClr val="dk1"/>
+              </a:buClr>
+              <a:buSzPct val="60000"/>
+              <a:buFont typeface="Noto Symbol"/>
+              <a:buChar char="▪"/>
+            </a:pPr>
+            <a:r>
+              <a:rPr lang="es-ES" sz="3000" b="0" i="0" u="none" strike="noStrike" cap="none" baseline="0" dirty="0">
+                <a:solidFill>
+                  <a:schemeClr val="dk1"/>
+                </a:solidFill>
+                <a:latin typeface="Segoe UI" panose="020B0502040204020203" pitchFamily="34" charset="0"/>
+                <a:ea typeface="Segoe UI" panose="020B0502040204020203" pitchFamily="34" charset="0"/>
+                <a:cs typeface="Segoe UI" panose="020B0502040204020203" pitchFamily="34" charset="0"/>
+                <a:sym typeface="Calibri"/>
+              </a:rPr>
+              <a:t>Marco teórico y Estado del arte</a:t>
+            </a:r>
+          </a:p>
+          <a:p>
+            <a:pPr marL="342900" marR="0" lvl="0" indent="-342900" algn="l" rtl="0">
+              <a:lnSpc>
+                <a:spcPct val="100000"/>
+              </a:lnSpc>
+              <a:spcBef>
+                <a:spcPts val="400"/>
+              </a:spcBef>
+              <a:spcAft>
+                <a:spcPts val="400"/>
+              </a:spcAft>
+              <a:buClr>
+                <a:schemeClr val="dk1"/>
+              </a:buClr>
+              <a:buSzPct val="60000"/>
+              <a:buFont typeface="Noto Symbol"/>
+              <a:buChar char="▪"/>
+            </a:pPr>
+            <a:r>
+              <a:rPr lang="es-ES" sz="3000" dirty="0">
+                <a:latin typeface="Segoe UI" panose="020B0502040204020203" pitchFamily="34" charset="0"/>
+                <a:ea typeface="Segoe UI" panose="020B0502040204020203" pitchFamily="34" charset="0"/>
+                <a:cs typeface="Segoe UI" panose="020B0502040204020203" pitchFamily="34" charset="0"/>
+              </a:rPr>
+              <a:t>Metodología</a:t>
+            </a:r>
+          </a:p>
+          <a:p>
+            <a:pPr marL="342900" marR="0" lvl="0" indent="-342900" algn="l" rtl="0">
+              <a:lnSpc>
+                <a:spcPct val="100000"/>
+              </a:lnSpc>
+              <a:spcBef>
+                <a:spcPts val="400"/>
+              </a:spcBef>
+              <a:spcAft>
+                <a:spcPts val="400"/>
+              </a:spcAft>
+              <a:buClr>
+                <a:schemeClr val="dk1"/>
+              </a:buClr>
+              <a:buSzPct val="60000"/>
+              <a:buFont typeface="Noto Symbol"/>
+              <a:buChar char="▪"/>
+            </a:pPr>
+            <a:r>
+              <a:rPr lang="es-ES" sz="3000" b="0" i="0" u="none" strike="noStrike" cap="none" baseline="0" dirty="0">
+                <a:solidFill>
+                  <a:schemeClr val="dk1"/>
+                </a:solidFill>
+                <a:latin typeface="Segoe UI" panose="020B0502040204020203" pitchFamily="34" charset="0"/>
+                <a:ea typeface="Segoe UI" panose="020B0502040204020203" pitchFamily="34" charset="0"/>
+                <a:cs typeface="Segoe UI" panose="020B0502040204020203" pitchFamily="34" charset="0"/>
+                <a:sym typeface="Calibri"/>
+              </a:rPr>
+              <a:t>Contribuciones</a:t>
+            </a:r>
+            <a:r>
+              <a:rPr lang="es-ES" sz="3000" b="0" i="0" u="none" strike="noStrike" cap="none" dirty="0">
+                <a:solidFill>
+                  <a:schemeClr val="dk1"/>
+                </a:solidFill>
+                <a:latin typeface="Segoe UI" panose="020B0502040204020203" pitchFamily="34" charset="0"/>
+                <a:ea typeface="Segoe UI" panose="020B0502040204020203" pitchFamily="34" charset="0"/>
+                <a:cs typeface="Segoe UI" panose="020B0502040204020203" pitchFamily="34" charset="0"/>
+                <a:sym typeface="Calibri"/>
+              </a:rPr>
+              <a:t> y </a:t>
+            </a:r>
+            <a:r>
+              <a:rPr lang="es-ES" sz="3000" b="0" i="0" u="none" strike="noStrike" cap="none" dirty="0" smtClean="0">
+                <a:solidFill>
+                  <a:schemeClr val="dk1"/>
+                </a:solidFill>
+                <a:latin typeface="Segoe UI" panose="020B0502040204020203" pitchFamily="34" charset="0"/>
+                <a:ea typeface="Segoe UI" panose="020B0502040204020203" pitchFamily="34" charset="0"/>
+                <a:cs typeface="Segoe UI" panose="020B0502040204020203" pitchFamily="34" charset="0"/>
+                <a:sym typeface="Calibri"/>
+              </a:rPr>
+              <a:t>resultados</a:t>
+            </a:r>
+          </a:p>
+          <a:p>
+            <a:pPr marL="342900" marR="0" lvl="0" indent="-342900" algn="l" rtl="0">
+              <a:lnSpc>
+                <a:spcPct val="100000"/>
+              </a:lnSpc>
+              <a:spcBef>
+                <a:spcPts val="400"/>
+              </a:spcBef>
+              <a:spcAft>
+                <a:spcPts val="400"/>
+              </a:spcAft>
+              <a:buClr>
+                <a:schemeClr val="dk1"/>
+              </a:buClr>
+              <a:buSzPct val="60000"/>
+              <a:buFont typeface="Noto Symbol"/>
+              <a:buChar char="▪"/>
+            </a:pPr>
+            <a:r>
+              <a:rPr lang="es-ES" sz="3000" dirty="0" smtClean="0">
+                <a:latin typeface="Segoe UI" panose="020B0502040204020203" pitchFamily="34" charset="0"/>
+                <a:ea typeface="Segoe UI" panose="020B0502040204020203" pitchFamily="34" charset="0"/>
+                <a:cs typeface="Segoe UI" panose="020B0502040204020203" pitchFamily="34" charset="0"/>
+              </a:rPr>
+              <a:t>Cronograma del proyecto</a:t>
+            </a:r>
+            <a:endParaRPr lang="es-ES" sz="3000" b="0" i="0" u="none" strike="noStrike" cap="none" dirty="0">
+              <a:solidFill>
+                <a:schemeClr val="dk1"/>
+              </a:solidFill>
+              <a:latin typeface="Segoe UI" panose="020B0502040204020203" pitchFamily="34" charset="0"/>
+              <a:ea typeface="Segoe UI" panose="020B0502040204020203" pitchFamily="34" charset="0"/>
+              <a:cs typeface="Segoe UI" panose="020B0502040204020203" pitchFamily="34" charset="0"/>
+              <a:sym typeface="Calibri"/>
+            </a:endParaRPr>
+          </a:p>
+          <a:p>
+            <a:pPr marL="342900" marR="0" lvl="0" indent="-342900" algn="l" rtl="0">
+              <a:lnSpc>
+                <a:spcPct val="100000"/>
+              </a:lnSpc>
+              <a:spcBef>
+                <a:spcPts val="400"/>
+              </a:spcBef>
+              <a:spcAft>
+                <a:spcPts val="400"/>
+              </a:spcAft>
+              <a:buClr>
+                <a:schemeClr val="dk1"/>
+              </a:buClr>
+              <a:buSzPct val="60000"/>
+              <a:buFont typeface="Noto Symbol"/>
+              <a:buChar char="▪"/>
+            </a:pPr>
+            <a:r>
+              <a:rPr lang="es-ES" sz="3000" b="0" i="0" u="none" strike="noStrike" cap="none" baseline="0" dirty="0">
+                <a:solidFill>
+                  <a:schemeClr val="dk1"/>
+                </a:solidFill>
+                <a:latin typeface="Segoe UI" panose="020B0502040204020203" pitchFamily="34" charset="0"/>
+                <a:ea typeface="Segoe UI" panose="020B0502040204020203" pitchFamily="34" charset="0"/>
+                <a:cs typeface="Segoe UI" panose="020B0502040204020203" pitchFamily="34" charset="0"/>
+                <a:sym typeface="Calibri"/>
+              </a:rPr>
+              <a:t>Referencias bibliográficas</a:t>
+            </a:r>
+          </a:p>
+        </p:txBody>
+      </p:sp>
+      <p:sp>
+        <p:nvSpPr>
+          <p:cNvPr id="168" name="Shape 168"/>
+          <p:cNvSpPr txBox="1">
+            <a:spLocks noGrp="1"/>
+          </p:cNvSpPr>
+          <p:nvPr>
+            <p:ph type="title"/>
+          </p:nvPr>
+        </p:nvSpPr>
+        <p:spPr>
+          <a:xfrm>
+            <a:off x="144463" y="188913"/>
+            <a:ext cx="6948487" cy="561975"/>
+          </a:xfrm>
+          <a:prstGeom prst="rect">
+            <a:avLst/>
+          </a:prstGeom>
+          <a:noFill/>
+          <a:ln>
+            <a:noFill/>
+          </a:ln>
+        </p:spPr>
+        <p:txBody>
+          <a:bodyPr lIns="91425" tIns="45700" rIns="91425" bIns="45700" anchor="ctr" anchorCtr="0">
+            <a:noAutofit/>
+          </a:bodyPr>
+          <a:lstStyle/>
+          <a:p>
+            <a:pPr marL="0" marR="0" lvl="0" indent="0" algn="ctr" rtl="0">
+              <a:spcBef>
+                <a:spcPts val="0"/>
+              </a:spcBef>
+              <a:spcAft>
+                <a:spcPts val="0"/>
+              </a:spcAft>
+              <a:buSzPct val="25000"/>
+              <a:buNone/>
+            </a:pPr>
+            <a:r>
+              <a:rPr lang="es-ES" b="0" i="0" u="none" strike="noStrike" cap="none" baseline="0" dirty="0">
+                <a:solidFill>
+                  <a:schemeClr val="dk1"/>
+                </a:solidFill>
+                <a:latin typeface="Segoe UI" panose="020B0502040204020203" pitchFamily="34" charset="0"/>
+                <a:ea typeface="Segoe UI" panose="020B0502040204020203" pitchFamily="34" charset="0"/>
+                <a:cs typeface="Segoe UI" panose="020B0502040204020203" pitchFamily="34" charset="0"/>
+                <a:sym typeface="Calibri"/>
+              </a:rPr>
+              <a:t>Contenido</a:t>
+            </a:r>
+          </a:p>
+        </p:txBody>
+      </p:sp>
+      <p:sp>
+        <p:nvSpPr>
+          <p:cNvPr id="169" name="Shape 169"/>
+          <p:cNvSpPr txBox="1">
+            <a:spLocks noGrp="1"/>
+          </p:cNvSpPr>
+          <p:nvPr>
+            <p:ph type="sldNum" idx="12"/>
+          </p:nvPr>
+        </p:nvSpPr>
+        <p:spPr>
+          <a:xfrm>
+            <a:off x="6553200" y="6356350"/>
+            <a:ext cx="2133599" cy="365125"/>
+          </a:xfrm>
+          <a:prstGeom prst="rect">
+            <a:avLst/>
+          </a:prstGeom>
+          <a:noFill/>
+          <a:ln>
+            <a:noFill/>
+          </a:ln>
+        </p:spPr>
+        <p:txBody>
+          <a:bodyPr lIns="91425" tIns="45700" rIns="91425" bIns="45700" anchor="ctr" anchorCtr="0">
+            <a:noAutofit/>
+          </a:bodyPr>
+          <a:lstStyle/>
+          <a:p>
+            <a:pPr marL="0" marR="0" lvl="0" indent="0" algn="r" rtl="0">
+              <a:spcBef>
+                <a:spcPts val="0"/>
+              </a:spcBef>
+              <a:buSzPct val="25000"/>
+              <a:buNone/>
+            </a:pPr>
+            <a:fld id="{00000000-1234-1234-1234-123412341234}" type="slidenum">
+              <a:rPr lang="es-ES" sz="1200" b="0" i="0" u="none" strike="noStrike" cap="none" baseline="0">
+                <a:solidFill>
+                  <a:srgbClr val="898989"/>
+                </a:solidFill>
+                <a:latin typeface="Calibri"/>
+                <a:ea typeface="Calibri"/>
+                <a:cs typeface="Calibri"/>
+                <a:sym typeface="Calibri"/>
+              </a:rPr>
+              <a:t>2</a:t>
+            </a:fld>
+            <a:endParaRPr lang="es-ES" sz="1200" b="0" i="0" u="none" strike="noStrike" cap="none" baseline="0" dirty="0">
+              <a:solidFill>
+                <a:srgbClr val="898989"/>
+              </a:solidFill>
+              <a:latin typeface="Calibri"/>
+              <a:ea typeface="Calibri"/>
+              <a:cs typeface="Calibri"/>
+              <a:sym typeface="Calibri"/>
+            </a:endParaRPr>
+          </a:p>
+        </p:txBody>
+      </p:sp>
+    </p:spTree>
+  </p:cSld>
+  <p:clrMapOvr>
+    <a:masterClrMapping/>
+  </p:clrMapOvr>
+  <p:transition spd="slow">
+    <p:cut/>
+  </p:transition>
+</p:sld>
+</file>
+
+<file path=ppt/slides/slide20.xml><?xml version="1.0" encoding="utf-8"?>
 <p:sld xmlns:a="http://schemas.openxmlformats.org/drawingml/2006/main" xmlns:r="http://schemas.openxmlformats.org/officeDocument/2006/relationships" xmlns:p="http://schemas.openxmlformats.org/presentationml/2006/main">
   <p:cSld>
     <p:spTree>
@@ -52425,7 +53129,7 @@
                 <a:cs typeface="Calibri"/>
                 <a:sym typeface="Calibri"/>
               </a:rPr>
-              <a:t>19</a:t>
+              <a:t>20</a:t>
             </a:fld>
             <a:endParaRPr lang="es-ES" sz="1200" i="0" u="none" strike="noStrike" cap="none" baseline="0" dirty="0">
               <a:solidFill>
@@ -52719,452 +53423,7 @@
 </p:sld>
 </file>
 
-<file path=ppt/slides/slide2.xml><?xml version="1.0" encoding="utf-8"?>
-<p:sld xmlns:a="http://schemas.openxmlformats.org/drawingml/2006/main" xmlns:r="http://schemas.openxmlformats.org/officeDocument/2006/relationships" xmlns:p="http://schemas.openxmlformats.org/presentationml/2006/main">
-  <p:cSld>
-    <p:spTree>
-      <p:nvGrpSpPr>
-        <p:cNvPr id="1" name="Shape 166"/>
-        <p:cNvGrpSpPr/>
-        <p:nvPr/>
-      </p:nvGrpSpPr>
-      <p:grpSpPr>
-        <a:xfrm>
-          <a:off x="0" y="0"/>
-          <a:ext cx="0" cy="0"/>
-          <a:chOff x="0" y="0"/>
-          <a:chExt cx="0" cy="0"/>
-        </a:xfrm>
-      </p:grpSpPr>
-      <p:sp>
-        <p:nvSpPr>
-          <p:cNvPr id="167" name="Shape 167"/>
-          <p:cNvSpPr txBox="1">
-            <a:spLocks noGrp="1"/>
-          </p:cNvSpPr>
-          <p:nvPr>
-            <p:ph type="body" idx="1"/>
-          </p:nvPr>
-        </p:nvSpPr>
-        <p:spPr>
-          <a:xfrm>
-            <a:off x="251519" y="1412776"/>
-            <a:ext cx="8640960" cy="4608512"/>
-          </a:xfrm>
-          <a:prstGeom prst="rect">
-            <a:avLst/>
-          </a:prstGeom>
-          <a:noFill/>
-          <a:ln>
-            <a:noFill/>
-          </a:ln>
-        </p:spPr>
-        <p:txBody>
-          <a:bodyPr lIns="91425" tIns="45700" rIns="91425" bIns="45700" anchor="t" anchorCtr="0">
-            <a:noAutofit/>
-          </a:bodyPr>
-          <a:lstStyle/>
-          <a:p>
-            <a:pPr marL="342900" marR="0" lvl="0" indent="-342900" algn="l" rtl="0">
-              <a:lnSpc>
-                <a:spcPct val="100000"/>
-              </a:lnSpc>
-              <a:spcBef>
-                <a:spcPts val="400"/>
-              </a:spcBef>
-              <a:spcAft>
-                <a:spcPts val="400"/>
-              </a:spcAft>
-              <a:buClr>
-                <a:schemeClr val="dk1"/>
-              </a:buClr>
-              <a:buSzPct val="60000"/>
-              <a:buFont typeface="Noto Symbol"/>
-              <a:buChar char="▪"/>
-            </a:pPr>
-            <a:r>
-              <a:rPr lang="es-ES" sz="3000" b="0" i="0" u="none" strike="noStrike" cap="none" baseline="0" dirty="0">
-                <a:solidFill>
-                  <a:schemeClr val="dk1"/>
-                </a:solidFill>
-                <a:latin typeface="Segoe UI" panose="020B0502040204020203" pitchFamily="34" charset="0"/>
-                <a:ea typeface="Segoe UI" panose="020B0502040204020203" pitchFamily="34" charset="0"/>
-                <a:cs typeface="Segoe UI" panose="020B0502040204020203" pitchFamily="34" charset="0"/>
-                <a:sym typeface="Calibri"/>
-              </a:rPr>
-              <a:t>Motivación y antecedentes</a:t>
-            </a:r>
-          </a:p>
-          <a:p>
-            <a:pPr marL="342900" marR="0" lvl="0" indent="-342900" algn="l" rtl="0">
-              <a:lnSpc>
-                <a:spcPct val="100000"/>
-              </a:lnSpc>
-              <a:spcBef>
-                <a:spcPts val="400"/>
-              </a:spcBef>
-              <a:spcAft>
-                <a:spcPts val="400"/>
-              </a:spcAft>
-              <a:buClr>
-                <a:schemeClr val="dk1"/>
-              </a:buClr>
-              <a:buSzPct val="60000"/>
-              <a:buFont typeface="Noto Symbol"/>
-              <a:buChar char="▪"/>
-            </a:pPr>
-            <a:r>
-              <a:rPr lang="es-ES" sz="3000" b="0" i="0" u="none" strike="noStrike" cap="none" baseline="0" dirty="0">
-                <a:solidFill>
-                  <a:schemeClr val="dk1"/>
-                </a:solidFill>
-                <a:latin typeface="Segoe UI" panose="020B0502040204020203" pitchFamily="34" charset="0"/>
-                <a:ea typeface="Segoe UI" panose="020B0502040204020203" pitchFamily="34" charset="0"/>
-                <a:cs typeface="Segoe UI" panose="020B0502040204020203" pitchFamily="34" charset="0"/>
-                <a:sym typeface="Calibri"/>
-              </a:rPr>
-              <a:t>Descripción del problema</a:t>
-            </a:r>
-          </a:p>
-          <a:p>
-            <a:pPr marL="342900" marR="0" lvl="0" indent="-342900" algn="l" rtl="0">
-              <a:lnSpc>
-                <a:spcPct val="100000"/>
-              </a:lnSpc>
-              <a:spcBef>
-                <a:spcPts val="400"/>
-              </a:spcBef>
-              <a:spcAft>
-                <a:spcPts val="400"/>
-              </a:spcAft>
-              <a:buClr>
-                <a:schemeClr val="dk1"/>
-              </a:buClr>
-              <a:buSzPct val="60000"/>
-              <a:buFont typeface="Noto Symbol"/>
-              <a:buChar char="▪"/>
-            </a:pPr>
-            <a:r>
-              <a:rPr lang="es-ES" sz="3000" b="0" i="0" u="none" strike="noStrike" cap="none" baseline="0" dirty="0">
-                <a:solidFill>
-                  <a:schemeClr val="dk1"/>
-                </a:solidFill>
-                <a:latin typeface="Segoe UI" panose="020B0502040204020203" pitchFamily="34" charset="0"/>
-                <a:ea typeface="Segoe UI" panose="020B0502040204020203" pitchFamily="34" charset="0"/>
-                <a:cs typeface="Segoe UI" panose="020B0502040204020203" pitchFamily="34" charset="0"/>
-                <a:sym typeface="Calibri"/>
-              </a:rPr>
-              <a:t>Objetivo general y específicos</a:t>
-            </a:r>
-          </a:p>
-          <a:p>
-            <a:pPr marL="342900" marR="0" lvl="0" indent="-342900" algn="l" rtl="0">
-              <a:lnSpc>
-                <a:spcPct val="100000"/>
-              </a:lnSpc>
-              <a:spcBef>
-                <a:spcPts val="400"/>
-              </a:spcBef>
-              <a:spcAft>
-                <a:spcPts val="400"/>
-              </a:spcAft>
-              <a:buClr>
-                <a:schemeClr val="dk1"/>
-              </a:buClr>
-              <a:buSzPct val="60000"/>
-              <a:buFont typeface="Noto Symbol"/>
-              <a:buChar char="▪"/>
-            </a:pPr>
-            <a:r>
-              <a:rPr lang="es-ES" sz="3000" b="0" i="0" u="none" strike="noStrike" cap="none" baseline="0" dirty="0">
-                <a:solidFill>
-                  <a:schemeClr val="dk1"/>
-                </a:solidFill>
-                <a:latin typeface="Segoe UI" panose="020B0502040204020203" pitchFamily="34" charset="0"/>
-                <a:ea typeface="Segoe UI" panose="020B0502040204020203" pitchFamily="34" charset="0"/>
-                <a:cs typeface="Segoe UI" panose="020B0502040204020203" pitchFamily="34" charset="0"/>
-                <a:sym typeface="Calibri"/>
-              </a:rPr>
-              <a:t>Marco teórico y Estado del arte</a:t>
-            </a:r>
-          </a:p>
-          <a:p>
-            <a:pPr marL="342900" marR="0" lvl="0" indent="-342900" algn="l" rtl="0">
-              <a:lnSpc>
-                <a:spcPct val="100000"/>
-              </a:lnSpc>
-              <a:spcBef>
-                <a:spcPts val="400"/>
-              </a:spcBef>
-              <a:spcAft>
-                <a:spcPts val="400"/>
-              </a:spcAft>
-              <a:buClr>
-                <a:schemeClr val="dk1"/>
-              </a:buClr>
-              <a:buSzPct val="60000"/>
-              <a:buFont typeface="Noto Symbol"/>
-              <a:buChar char="▪"/>
-            </a:pPr>
-            <a:r>
-              <a:rPr lang="es-ES" sz="3000" dirty="0">
-                <a:latin typeface="Segoe UI" panose="020B0502040204020203" pitchFamily="34" charset="0"/>
-                <a:ea typeface="Segoe UI" panose="020B0502040204020203" pitchFamily="34" charset="0"/>
-                <a:cs typeface="Segoe UI" panose="020B0502040204020203" pitchFamily="34" charset="0"/>
-              </a:rPr>
-              <a:t>Metodología</a:t>
-            </a:r>
-          </a:p>
-          <a:p>
-            <a:pPr marL="342900" marR="0" lvl="0" indent="-342900" algn="l" rtl="0">
-              <a:lnSpc>
-                <a:spcPct val="100000"/>
-              </a:lnSpc>
-              <a:spcBef>
-                <a:spcPts val="400"/>
-              </a:spcBef>
-              <a:spcAft>
-                <a:spcPts val="400"/>
-              </a:spcAft>
-              <a:buClr>
-                <a:schemeClr val="dk1"/>
-              </a:buClr>
-              <a:buSzPct val="60000"/>
-              <a:buFont typeface="Noto Symbol"/>
-              <a:buChar char="▪"/>
-            </a:pPr>
-            <a:r>
-              <a:rPr lang="es-ES" sz="3000" b="0" i="0" u="none" strike="noStrike" cap="none" baseline="0" dirty="0">
-                <a:solidFill>
-                  <a:schemeClr val="dk1"/>
-                </a:solidFill>
-                <a:latin typeface="Segoe UI" panose="020B0502040204020203" pitchFamily="34" charset="0"/>
-                <a:ea typeface="Segoe UI" panose="020B0502040204020203" pitchFamily="34" charset="0"/>
-                <a:cs typeface="Segoe UI" panose="020B0502040204020203" pitchFamily="34" charset="0"/>
-                <a:sym typeface="Calibri"/>
-              </a:rPr>
-              <a:t>Contribuciones</a:t>
-            </a:r>
-            <a:r>
-              <a:rPr lang="es-ES" sz="3000" b="0" i="0" u="none" strike="noStrike" cap="none" dirty="0">
-                <a:solidFill>
-                  <a:schemeClr val="dk1"/>
-                </a:solidFill>
-                <a:latin typeface="Segoe UI" panose="020B0502040204020203" pitchFamily="34" charset="0"/>
-                <a:ea typeface="Segoe UI" panose="020B0502040204020203" pitchFamily="34" charset="0"/>
-                <a:cs typeface="Segoe UI" panose="020B0502040204020203" pitchFamily="34" charset="0"/>
-                <a:sym typeface="Calibri"/>
-              </a:rPr>
-              <a:t> y </a:t>
-            </a:r>
-            <a:r>
-              <a:rPr lang="es-ES" sz="3000" b="0" i="0" u="none" strike="noStrike" cap="none" dirty="0" smtClean="0">
-                <a:solidFill>
-                  <a:schemeClr val="dk1"/>
-                </a:solidFill>
-                <a:latin typeface="Segoe UI" panose="020B0502040204020203" pitchFamily="34" charset="0"/>
-                <a:ea typeface="Segoe UI" panose="020B0502040204020203" pitchFamily="34" charset="0"/>
-                <a:cs typeface="Segoe UI" panose="020B0502040204020203" pitchFamily="34" charset="0"/>
-                <a:sym typeface="Calibri"/>
-              </a:rPr>
-              <a:t>resultados</a:t>
-            </a:r>
-          </a:p>
-          <a:p>
-            <a:pPr marL="342900" marR="0" lvl="0" indent="-342900" algn="l" rtl="0">
-              <a:lnSpc>
-                <a:spcPct val="100000"/>
-              </a:lnSpc>
-              <a:spcBef>
-                <a:spcPts val="400"/>
-              </a:spcBef>
-              <a:spcAft>
-                <a:spcPts val="400"/>
-              </a:spcAft>
-              <a:buClr>
-                <a:schemeClr val="dk1"/>
-              </a:buClr>
-              <a:buSzPct val="60000"/>
-              <a:buFont typeface="Noto Symbol"/>
-              <a:buChar char="▪"/>
-            </a:pPr>
-            <a:r>
-              <a:rPr lang="es-ES" sz="3000" dirty="0" smtClean="0">
-                <a:latin typeface="Segoe UI" panose="020B0502040204020203" pitchFamily="34" charset="0"/>
-                <a:ea typeface="Segoe UI" panose="020B0502040204020203" pitchFamily="34" charset="0"/>
-                <a:cs typeface="Segoe UI" panose="020B0502040204020203" pitchFamily="34" charset="0"/>
-              </a:rPr>
-              <a:t>Cronograma del proyecto</a:t>
-            </a:r>
-            <a:endParaRPr lang="es-ES" sz="3000" b="0" i="0" u="none" strike="noStrike" cap="none" dirty="0">
-              <a:solidFill>
-                <a:schemeClr val="dk1"/>
-              </a:solidFill>
-              <a:latin typeface="Segoe UI" panose="020B0502040204020203" pitchFamily="34" charset="0"/>
-              <a:ea typeface="Segoe UI" panose="020B0502040204020203" pitchFamily="34" charset="0"/>
-              <a:cs typeface="Segoe UI" panose="020B0502040204020203" pitchFamily="34" charset="0"/>
-              <a:sym typeface="Calibri"/>
-            </a:endParaRPr>
-          </a:p>
-          <a:p>
-            <a:pPr marL="342900" marR="0" lvl="0" indent="-342900" algn="l" rtl="0">
-              <a:lnSpc>
-                <a:spcPct val="100000"/>
-              </a:lnSpc>
-              <a:spcBef>
-                <a:spcPts val="400"/>
-              </a:spcBef>
-              <a:spcAft>
-                <a:spcPts val="400"/>
-              </a:spcAft>
-              <a:buClr>
-                <a:schemeClr val="dk1"/>
-              </a:buClr>
-              <a:buSzPct val="60000"/>
-              <a:buFont typeface="Noto Symbol"/>
-              <a:buChar char="▪"/>
-            </a:pPr>
-            <a:r>
-              <a:rPr lang="es-ES" sz="3000" b="0" i="0" u="none" strike="noStrike" cap="none" baseline="0" dirty="0">
-                <a:solidFill>
-                  <a:schemeClr val="dk1"/>
-                </a:solidFill>
-                <a:latin typeface="Segoe UI" panose="020B0502040204020203" pitchFamily="34" charset="0"/>
-                <a:ea typeface="Segoe UI" panose="020B0502040204020203" pitchFamily="34" charset="0"/>
-                <a:cs typeface="Segoe UI" panose="020B0502040204020203" pitchFamily="34" charset="0"/>
-                <a:sym typeface="Calibri"/>
-              </a:rPr>
-              <a:t>Referencias bibliográficas</a:t>
-            </a:r>
-          </a:p>
-        </p:txBody>
-      </p:sp>
-      <p:sp>
-        <p:nvSpPr>
-          <p:cNvPr id="168" name="Shape 168"/>
-          <p:cNvSpPr txBox="1">
-            <a:spLocks noGrp="1"/>
-          </p:cNvSpPr>
-          <p:nvPr>
-            <p:ph type="title"/>
-          </p:nvPr>
-        </p:nvSpPr>
-        <p:spPr>
-          <a:xfrm>
-            <a:off x="144463" y="188913"/>
-            <a:ext cx="6948487" cy="561975"/>
-          </a:xfrm>
-          <a:prstGeom prst="rect">
-            <a:avLst/>
-          </a:prstGeom>
-          <a:noFill/>
-          <a:ln>
-            <a:noFill/>
-          </a:ln>
-        </p:spPr>
-        <p:txBody>
-          <a:bodyPr lIns="91425" tIns="45700" rIns="91425" bIns="45700" anchor="ctr" anchorCtr="0">
-            <a:noAutofit/>
-          </a:bodyPr>
-          <a:lstStyle/>
-          <a:p>
-            <a:pPr marL="0" marR="0" lvl="0" indent="0" algn="ctr" rtl="0">
-              <a:spcBef>
-                <a:spcPts val="0"/>
-              </a:spcBef>
-              <a:spcAft>
-                <a:spcPts val="0"/>
-              </a:spcAft>
-              <a:buSzPct val="25000"/>
-              <a:buNone/>
-            </a:pPr>
-            <a:r>
-              <a:rPr lang="es-ES" b="0" i="0" u="none" strike="noStrike" cap="none" baseline="0" dirty="0">
-                <a:solidFill>
-                  <a:schemeClr val="dk1"/>
-                </a:solidFill>
-                <a:latin typeface="Segoe UI" panose="020B0502040204020203" pitchFamily="34" charset="0"/>
-                <a:ea typeface="Segoe UI" panose="020B0502040204020203" pitchFamily="34" charset="0"/>
-                <a:cs typeface="Segoe UI" panose="020B0502040204020203" pitchFamily="34" charset="0"/>
-                <a:sym typeface="Calibri"/>
-              </a:rPr>
-              <a:t>Contenido</a:t>
-            </a:r>
-          </a:p>
-        </p:txBody>
-      </p:sp>
-      <p:sp>
-        <p:nvSpPr>
-          <p:cNvPr id="169" name="Shape 169"/>
-          <p:cNvSpPr txBox="1">
-            <a:spLocks noGrp="1"/>
-          </p:cNvSpPr>
-          <p:nvPr>
-            <p:ph type="sldNum" idx="12"/>
-          </p:nvPr>
-        </p:nvSpPr>
-        <p:spPr>
-          <a:xfrm>
-            <a:off x="6553200" y="6356350"/>
-            <a:ext cx="2133599" cy="365125"/>
-          </a:xfrm>
-          <a:prstGeom prst="rect">
-            <a:avLst/>
-          </a:prstGeom>
-          <a:noFill/>
-          <a:ln>
-            <a:noFill/>
-          </a:ln>
-        </p:spPr>
-        <p:txBody>
-          <a:bodyPr lIns="91425" tIns="45700" rIns="91425" bIns="45700" anchor="ctr" anchorCtr="0">
-            <a:noAutofit/>
-          </a:bodyPr>
-          <a:lstStyle/>
-          <a:p>
-            <a:pPr marL="0" marR="0" lvl="0" indent="0" algn="r" rtl="0">
-              <a:spcBef>
-                <a:spcPts val="0"/>
-              </a:spcBef>
-              <a:buSzPct val="25000"/>
-              <a:buNone/>
-            </a:pPr>
-            <a:fld id="{00000000-1234-1234-1234-123412341234}" type="slidenum">
-              <a:rPr lang="es-ES" sz="1200" b="0" i="0" u="none" strike="noStrike" cap="none" baseline="0">
-                <a:solidFill>
-                  <a:srgbClr val="898989"/>
-                </a:solidFill>
-                <a:latin typeface="Calibri"/>
-                <a:ea typeface="Calibri"/>
-                <a:cs typeface="Calibri"/>
-                <a:sym typeface="Calibri"/>
-              </a:rPr>
-              <a:t>2</a:t>
-            </a:fld>
-            <a:endParaRPr lang="es-ES" sz="1200" b="0" i="0" u="none" strike="noStrike" cap="none" baseline="0" dirty="0">
-              <a:solidFill>
-                <a:srgbClr val="898989"/>
-              </a:solidFill>
-              <a:latin typeface="Calibri"/>
-              <a:ea typeface="Calibri"/>
-              <a:cs typeface="Calibri"/>
-              <a:sym typeface="Calibri"/>
-            </a:endParaRPr>
-          </a:p>
-        </p:txBody>
-      </p:sp>
-    </p:spTree>
-  </p:cSld>
-  <p:clrMapOvr>
-    <a:masterClrMapping/>
-  </p:clrMapOvr>
-  <p:transition spd="slow">
-    <p:cut/>
-  </p:transition>
-</p:sld>
-</file>
-
-<file path=ppt/slides/slide20.xml><?xml version="1.0" encoding="utf-8"?>
+<file path=ppt/slides/slide21.xml><?xml version="1.0" encoding="utf-8"?>
 <p:sld xmlns:a="http://schemas.openxmlformats.org/drawingml/2006/main" xmlns:r="http://schemas.openxmlformats.org/officeDocument/2006/relationships" xmlns:p="http://schemas.openxmlformats.org/presentationml/2006/main">
   <p:cSld>
     <p:spTree>
@@ -55568,31 +55827,17 @@
       </p:grpSpPr>
       <p:sp>
         <p:nvSpPr>
-          <p:cNvPr id="11" name="Shape 254"/>
-          <p:cNvSpPr txBox="1">
+          <p:cNvPr id="4" name="Marcador de número de diapositiva 3"/>
+          <p:cNvSpPr>
             <a:spLocks noGrp="1"/>
           </p:cNvSpPr>
           <p:nvPr>
             <p:ph type="sldNum" idx="12"/>
           </p:nvPr>
         </p:nvSpPr>
-        <p:spPr>
-          <a:xfrm>
-            <a:off x="8738121" y="6453336"/>
-            <a:ext cx="370383" cy="365125"/>
-          </a:xfrm>
-          <a:prstGeom prst="rect">
-            <a:avLst/>
-          </a:prstGeom>
-          <a:noFill/>
-          <a:ln>
-            <a:noFill/>
-          </a:ln>
-        </p:spPr>
+        <p:spPr/>
         <p:txBody>
-          <a:bodyPr lIns="91425" tIns="45700" rIns="91425" bIns="45700" anchor="ctr" anchorCtr="0">
-            <a:noAutofit/>
-          </a:bodyPr>
+          <a:bodyPr/>
           <a:lstStyle/>
           <a:p>
             <a:pPr marL="0" marR="0" lvl="0" indent="0" algn="r" rtl="0">
@@ -55603,53 +55848,29 @@
               <a:buNone/>
             </a:pPr>
             <a:fld id="{00000000-1234-1234-1234-123412341234}" type="slidenum">
-              <a:rPr lang="es-ES" sz="1200" i="0" u="none" strike="noStrike" cap="none" baseline="0">
-                <a:solidFill>
-                  <a:schemeClr val="tx1"/>
-                </a:solidFill>
-                <a:latin typeface="Segoe UI" panose="020B0502040204020203" pitchFamily="34" charset="0"/>
-                <a:ea typeface="Segoe UI" panose="020B0502040204020203" pitchFamily="34" charset="0"/>
-                <a:cs typeface="Segoe UI" panose="020B0502040204020203" pitchFamily="34" charset="0"/>
+              <a:rPr lang="es-ES" sz="1200" b="0" i="0" u="none" strike="noStrike" cap="none" baseline="0" smtClean="0">
+                <a:solidFill>
+                  <a:srgbClr val="888888"/>
+                </a:solidFill>
+                <a:latin typeface="Calibri"/>
+                <a:ea typeface="Calibri"/>
+                <a:cs typeface="Calibri"/>
                 <a:sym typeface="Calibri"/>
               </a:rPr>
               <a:t>9</a:t>
             </a:fld>
-            <a:endParaRPr lang="es-ES" sz="1200" i="0" u="none" strike="noStrike" cap="none" baseline="0" dirty="0">
+            <a:endParaRPr lang="es-ES" sz="1200" b="0" i="0" u="none" strike="noStrike" cap="none" baseline="0">
               <a:solidFill>
-                <a:schemeClr val="tx1"/>
+                <a:srgbClr val="888888"/>
               </a:solidFill>
-              <a:latin typeface="Segoe UI" panose="020B0502040204020203" pitchFamily="34" charset="0"/>
-              <a:ea typeface="Segoe UI" panose="020B0502040204020203" pitchFamily="34" charset="0"/>
-              <a:cs typeface="Segoe UI" panose="020B0502040204020203" pitchFamily="34" charset="0"/>
+              <a:latin typeface="Calibri"/>
+              <a:ea typeface="Calibri"/>
+              <a:cs typeface="Calibri"/>
               <a:sym typeface="Calibri"/>
             </a:endParaRPr>
           </a:p>
         </p:txBody>
       </p:sp>
-      <p:pic>
-        <p:nvPicPr>
-          <p:cNvPr id="3" name="Imagen 2"/>
-          <p:cNvPicPr>
-            <a:picLocks noChangeAspect="1"/>
-          </p:cNvPicPr>
-          <p:nvPr/>
-        </p:nvPicPr>
-        <p:blipFill>
-          <a:blip r:embed="rId2"/>
-          <a:stretch>
-            <a:fillRect/>
-          </a:stretch>
-        </p:blipFill>
-        <p:spPr>
-          <a:xfrm>
-            <a:off x="539552" y="716153"/>
-            <a:ext cx="7740352" cy="4919319"/>
-          </a:xfrm>
-          <a:prstGeom prst="rect">
-            <a:avLst/>
-          </a:prstGeom>
-        </p:spPr>
-      </p:pic>
       <p:sp>
         <p:nvSpPr>
           <p:cNvPr id="5" name="Shape 255"/>
@@ -55658,7 +55879,7 @@
         </p:nvSpPr>
         <p:spPr>
           <a:xfrm>
-            <a:off x="299256" y="54561"/>
+            <a:off x="251520" y="329551"/>
             <a:ext cx="8640960" cy="647799"/>
           </a:xfrm>
           <a:prstGeom prst="rect">
@@ -55682,33 +55903,63 @@
               <a:buSzPct val="25000"/>
             </a:pPr>
             <a:r>
-              <a:rPr lang="es-ES" sz="3600" dirty="0">
+              <a:rPr lang="es-ES" sz="4400" dirty="0" smtClean="0">
                 <a:latin typeface="Segoe UI" panose="020B0502040204020203" pitchFamily="34" charset="0"/>
                 <a:ea typeface="Segoe UI" panose="020B0502040204020203" pitchFamily="34" charset="0"/>
                 <a:cs typeface="Segoe UI" panose="020B0502040204020203" pitchFamily="34" charset="0"/>
                 <a:sym typeface="Calibri"/>
               </a:rPr>
-              <a:t>Estado del arte</a:t>
+              <a:t>Tecnologías Web</a:t>
             </a:r>
+            <a:endParaRPr lang="es-ES" sz="4400" dirty="0">
+              <a:latin typeface="Segoe UI" panose="020B0502040204020203" pitchFamily="34" charset="0"/>
+              <a:ea typeface="Segoe UI" panose="020B0502040204020203" pitchFamily="34" charset="0"/>
+              <a:cs typeface="Segoe UI" panose="020B0502040204020203" pitchFamily="34" charset="0"/>
+              <a:sym typeface="Calibri"/>
+            </a:endParaRPr>
           </a:p>
         </p:txBody>
       </p:sp>
+      <p:pic>
+        <p:nvPicPr>
+          <p:cNvPr id="6" name="Imagen 5"/>
+          <p:cNvPicPr>
+            <a:picLocks noChangeAspect="1"/>
+          </p:cNvPicPr>
+          <p:nvPr/>
+        </p:nvPicPr>
+        <p:blipFill>
+          <a:blip r:embed="rId2">
+            <a:extLst>
+              <a:ext uri="{28A0092B-C50C-407E-A947-70E740481C1C}">
+                <a14:useLocalDpi xmlns:a14="http://schemas.microsoft.com/office/drawing/2010/main" val="0"/>
+              </a:ext>
+            </a:extLst>
+          </a:blip>
+          <a:stretch>
+            <a:fillRect/>
+          </a:stretch>
+        </p:blipFill>
+        <p:spPr>
+          <a:xfrm>
+            <a:off x="467543" y="1329690"/>
+            <a:ext cx="8424937" cy="4549513"/>
+          </a:xfrm>
+          <a:prstGeom prst="rect">
+            <a:avLst/>
+          </a:prstGeom>
+        </p:spPr>
+      </p:pic>
       <p:sp>
         <p:nvSpPr>
-          <p:cNvPr id="2" name="Rectángulo 1">
-            <a:extLst>
-              <a:ext uri="{FF2B5EF4-FFF2-40B4-BE49-F238E27FC236}">
-                <a16:creationId xmlns="" xmlns:a16="http://schemas.microsoft.com/office/drawing/2014/main" id="{3DE5D028-E14E-49CA-82D1-B22B49FB108A}"/>
-              </a:ext>
-            </a:extLst>
-          </p:cNvPr>
+          <p:cNvPr id="7" name="Rectángulo 6"/>
           <p:cNvSpPr/>
           <p:nvPr/>
         </p:nvSpPr>
         <p:spPr>
           <a:xfrm>
-            <a:off x="494523" y="5753616"/>
-            <a:ext cx="8910736" cy="1123384"/>
+            <a:off x="1331640" y="5949280"/>
+            <a:ext cx="7560840" cy="646331"/>
           </a:xfrm>
           <a:prstGeom prst="rect">
             <a:avLst/>
@@ -55720,86 +55971,25 @@
           </a:bodyPr>
           <a:lstStyle/>
           <a:p>
-            <a:pPr marL="171450" indent="-171450">
-              <a:buFont typeface="Arial" panose="020B0604020202020204" pitchFamily="34" charset="0"/>
-              <a:buChar char="•"/>
-            </a:pPr>
             <a:r>
-              <a:rPr lang="es-CO" sz="1100" dirty="0">
-                <a:latin typeface="Segoe UI" panose="020B0502040204020203" pitchFamily="34" charset="0"/>
-                <a:cs typeface="Segoe UI" panose="020B0502040204020203" pitchFamily="34" charset="0"/>
-              </a:rPr>
+              <a:rPr lang="es-CO" dirty="0" smtClean="0"/>
               <a:t> </a:t>
             </a:r>
             <a:r>
-              <a:rPr lang="es-CO" sz="900" dirty="0"/>
-              <a:t>J. A. Sánchez Alvarado, “Sistema de Control de Acceso con RFID,” p. 120, 2008.</a:t>
-            </a:r>
-          </a:p>
-          <a:p>
-            <a:endParaRPr lang="es-CO" sz="900" dirty="0">
-              <a:latin typeface="Segoe UI" panose="020B0502040204020203" pitchFamily="34" charset="0"/>
-              <a:cs typeface="Segoe UI" panose="020B0502040204020203" pitchFamily="34" charset="0"/>
-            </a:endParaRPr>
-          </a:p>
-          <a:p>
-            <a:pPr marL="171450" indent="-171450">
-              <a:buFont typeface="Arial" panose="020B0604020202020204" pitchFamily="34" charset="0"/>
-              <a:buChar char="•"/>
-            </a:pPr>
-            <a:r>
-              <a:rPr lang="es-CO" sz="900" dirty="0"/>
-              <a:t>justo Saavedra, “Diseño e Implementación de un Sistema de Control de Acceso,” p. 75, 2006.</a:t>
-            </a:r>
-          </a:p>
-          <a:p>
-            <a:endParaRPr lang="es-CO" sz="900" dirty="0"/>
-          </a:p>
-          <a:p>
-            <a:pPr marL="171450" indent="-171450">
-              <a:buFont typeface="Arial" panose="020B0604020202020204" pitchFamily="34" charset="0"/>
-              <a:buChar char="•"/>
-            </a:pPr>
-            <a:r>
-              <a:rPr lang="es-CO" sz="900" dirty="0" err="1"/>
-              <a:t>O.Software</a:t>
+              <a:rPr lang="es-CO" sz="1100" dirty="0" smtClean="0"/>
+              <a:t>tomado de : https</a:t>
             </a:r>
             <a:r>
-              <a:rPr lang="es-CO" sz="900" dirty="0"/>
-              <a:t>(2018, </a:t>
+              <a:rPr lang="es-CO" sz="1100" dirty="0"/>
+              <a:t>://www.google.com.co/search?q=Tecnologias+web&amp;safe=active&amp;source=lnms&amp;tbm=isch&amp;sa=X&amp;ved=0ahUKEwjTlvaNzL_bAhXN0FMKHWxwD54Q_AUICigB&amp;biw=1366&amp;bih=613#imgrc=vGphUdd2s3q4NM:</a:t>
             </a:r>
-            <a:r>
-              <a:rPr lang="es-CO" sz="900" dirty="0" err="1"/>
-              <a:t>Abríl</a:t>
-            </a:r>
-            <a:r>
-              <a:rPr lang="es-CO" sz="900" dirty="0"/>
-              <a:t> 19 ). SYION [online]. </a:t>
-            </a:r>
-            <a:r>
-              <a:rPr lang="en-US" sz="900" dirty="0"/>
-              <a:t>Available: </a:t>
-            </a:r>
-            <a:endParaRPr lang="es-CO" sz="900" dirty="0"/>
-          </a:p>
-          <a:p>
-            <a:r>
-              <a:rPr lang="en-US" sz="900" u="sng" dirty="0">
-                <a:hlinkClick r:id="rId3"/>
-              </a:rPr>
-              <a:t>https://www.syon.es/productos/control-de-presencia-y-accesos/software/ocean-software-control-horario-trabajadores/</a:t>
-            </a:r>
-            <a:endParaRPr lang="es-CO" sz="900" dirty="0"/>
-          </a:p>
-          <a:p>
-            <a:endParaRPr lang="es-CO" sz="1100" dirty="0"/>
           </a:p>
         </p:txBody>
       </p:sp>
     </p:spTree>
     <p:extLst>
       <p:ext uri="{BB962C8B-B14F-4D97-AF65-F5344CB8AC3E}">
-        <p14:creationId xmlns:p14="http://schemas.microsoft.com/office/powerpoint/2010/main" val="348719107"/>
+        <p14:creationId xmlns:p14="http://schemas.microsoft.com/office/powerpoint/2010/main" val="1548712024"/>
       </p:ext>
     </p:extLst>
   </p:cSld>
